--- a/mruiz/docs/PFC presentation.pptx
+++ b/mruiz/docs/PFC presentation.pptx
@@ -11,8 +11,8 @@
     <p:sldId id="259" r:id="rId5"/>
     <p:sldId id="260" r:id="rId6"/>
     <p:sldId id="261" r:id="rId7"/>
-    <p:sldId id="262" r:id="rId8"/>
-    <p:sldId id="263" r:id="rId9"/>
+    <p:sldId id="263" r:id="rId8"/>
+    <p:sldId id="262" r:id="rId9"/>
     <p:sldId id="264" r:id="rId10"/>
     <p:sldId id="265" r:id="rId11"/>
   </p:sldIdLst>
@@ -297,7 +297,7 @@
           <a:p>
             <a:fld id="{6BFECD78-3C8E-49F2-8FAB-59489D168ABB}" type="datetimeFigureOut">
               <a:rPr lang="en-US" smtClean="0"/>
-              <a:t>5/6/2011</a:t>
+              <a:t>08/05/11</a:t>
             </a:fld>
             <a:endParaRPr lang="en-US"/>
           </a:p>
@@ -339,7 +339,7 @@
           <a:p>
             <a:fld id="{0FB56013-B943-42BA-886F-6F9D4EB85E9D}" type="slidenum">
               <a:rPr lang="en-US" smtClean="0"/>
-              <a:t>‹Nº›</a:t>
+              <a:t>‹Nr.›</a:t>
             </a:fld>
             <a:endParaRPr lang="en-US"/>
           </a:p>
@@ -467,7 +467,7 @@
           <a:p>
             <a:fld id="{6BFECD78-3C8E-49F2-8FAB-59489D168ABB}" type="datetimeFigureOut">
               <a:rPr lang="en-US" smtClean="0"/>
-              <a:t>5/6/2011</a:t>
+              <a:t>08/05/11</a:t>
             </a:fld>
             <a:endParaRPr lang="en-US"/>
           </a:p>
@@ -509,7 +509,7 @@
           <a:p>
             <a:fld id="{0FB56013-B943-42BA-886F-6F9D4EB85E9D}" type="slidenum">
               <a:rPr lang="en-US" smtClean="0"/>
-              <a:t>‹Nº›</a:t>
+              <a:t>‹Nr.›</a:t>
             </a:fld>
             <a:endParaRPr lang="en-US"/>
           </a:p>
@@ -647,7 +647,7 @@
           <a:p>
             <a:fld id="{6BFECD78-3C8E-49F2-8FAB-59489D168ABB}" type="datetimeFigureOut">
               <a:rPr lang="en-US" smtClean="0"/>
-              <a:t>5/6/2011</a:t>
+              <a:t>08/05/11</a:t>
             </a:fld>
             <a:endParaRPr lang="en-US"/>
           </a:p>
@@ -689,7 +689,7 @@
           <a:p>
             <a:fld id="{0FB56013-B943-42BA-886F-6F9D4EB85E9D}" type="slidenum">
               <a:rPr lang="en-US" smtClean="0"/>
-              <a:t>‹Nº›</a:t>
+              <a:t>‹Nr.›</a:t>
             </a:fld>
             <a:endParaRPr lang="en-US"/>
           </a:p>
@@ -817,7 +817,7 @@
           <a:p>
             <a:fld id="{6BFECD78-3C8E-49F2-8FAB-59489D168ABB}" type="datetimeFigureOut">
               <a:rPr lang="en-US" smtClean="0"/>
-              <a:t>5/6/2011</a:t>
+              <a:t>08/05/11</a:t>
             </a:fld>
             <a:endParaRPr lang="en-US"/>
           </a:p>
@@ -859,7 +859,7 @@
           <a:p>
             <a:fld id="{0FB56013-B943-42BA-886F-6F9D4EB85E9D}" type="slidenum">
               <a:rPr lang="en-US" smtClean="0"/>
-              <a:t>‹Nº›</a:t>
+              <a:t>‹Nr.›</a:t>
             </a:fld>
             <a:endParaRPr lang="en-US"/>
           </a:p>
@@ -1063,7 +1063,7 @@
           <a:p>
             <a:fld id="{6BFECD78-3C8E-49F2-8FAB-59489D168ABB}" type="datetimeFigureOut">
               <a:rPr lang="en-US" smtClean="0"/>
-              <a:t>5/6/2011</a:t>
+              <a:t>08/05/11</a:t>
             </a:fld>
             <a:endParaRPr lang="en-US"/>
           </a:p>
@@ -1105,7 +1105,7 @@
           <a:p>
             <a:fld id="{0FB56013-B943-42BA-886F-6F9D4EB85E9D}" type="slidenum">
               <a:rPr lang="en-US" smtClean="0"/>
-              <a:t>‹Nº›</a:t>
+              <a:t>‹Nr.›</a:t>
             </a:fld>
             <a:endParaRPr lang="en-US"/>
           </a:p>
@@ -1351,7 +1351,7 @@
           <a:p>
             <a:fld id="{6BFECD78-3C8E-49F2-8FAB-59489D168ABB}" type="datetimeFigureOut">
               <a:rPr lang="en-US" smtClean="0"/>
-              <a:t>5/6/2011</a:t>
+              <a:t>08/05/11</a:t>
             </a:fld>
             <a:endParaRPr lang="en-US"/>
           </a:p>
@@ -1393,7 +1393,7 @@
           <a:p>
             <a:fld id="{0FB56013-B943-42BA-886F-6F9D4EB85E9D}" type="slidenum">
               <a:rPr lang="en-US" smtClean="0"/>
-              <a:t>‹Nº›</a:t>
+              <a:t>‹Nr.›</a:t>
             </a:fld>
             <a:endParaRPr lang="en-US"/>
           </a:p>
@@ -1773,7 +1773,7 @@
           <a:p>
             <a:fld id="{6BFECD78-3C8E-49F2-8FAB-59489D168ABB}" type="datetimeFigureOut">
               <a:rPr lang="en-US" smtClean="0"/>
-              <a:t>5/6/2011</a:t>
+              <a:t>08/05/11</a:t>
             </a:fld>
             <a:endParaRPr lang="en-US"/>
           </a:p>
@@ -1815,7 +1815,7 @@
           <a:p>
             <a:fld id="{0FB56013-B943-42BA-886F-6F9D4EB85E9D}" type="slidenum">
               <a:rPr lang="en-US" smtClean="0"/>
-              <a:t>‹Nº›</a:t>
+              <a:t>‹Nr.›</a:t>
             </a:fld>
             <a:endParaRPr lang="en-US"/>
           </a:p>
@@ -1891,7 +1891,7 @@
           <a:p>
             <a:fld id="{6BFECD78-3C8E-49F2-8FAB-59489D168ABB}" type="datetimeFigureOut">
               <a:rPr lang="en-US" smtClean="0"/>
-              <a:t>5/6/2011</a:t>
+              <a:t>08/05/11</a:t>
             </a:fld>
             <a:endParaRPr lang="en-US"/>
           </a:p>
@@ -1933,7 +1933,7 @@
           <a:p>
             <a:fld id="{0FB56013-B943-42BA-886F-6F9D4EB85E9D}" type="slidenum">
               <a:rPr lang="en-US" smtClean="0"/>
-              <a:t>‹Nº›</a:t>
+              <a:t>‹Nr.›</a:t>
             </a:fld>
             <a:endParaRPr lang="en-US"/>
           </a:p>
@@ -1986,7 +1986,7 @@
           <a:p>
             <a:fld id="{6BFECD78-3C8E-49F2-8FAB-59489D168ABB}" type="datetimeFigureOut">
               <a:rPr lang="en-US" smtClean="0"/>
-              <a:t>5/6/2011</a:t>
+              <a:t>08/05/11</a:t>
             </a:fld>
             <a:endParaRPr lang="en-US"/>
           </a:p>
@@ -2028,7 +2028,7 @@
           <a:p>
             <a:fld id="{0FB56013-B943-42BA-886F-6F9D4EB85E9D}" type="slidenum">
               <a:rPr lang="en-US" smtClean="0"/>
-              <a:t>‹Nº›</a:t>
+              <a:t>‹Nr.›</a:t>
             </a:fld>
             <a:endParaRPr lang="en-US"/>
           </a:p>
@@ -2263,7 +2263,7 @@
           <a:p>
             <a:fld id="{6BFECD78-3C8E-49F2-8FAB-59489D168ABB}" type="datetimeFigureOut">
               <a:rPr lang="en-US" smtClean="0"/>
-              <a:t>5/6/2011</a:t>
+              <a:t>08/05/11</a:t>
             </a:fld>
             <a:endParaRPr lang="en-US"/>
           </a:p>
@@ -2305,7 +2305,7 @@
           <a:p>
             <a:fld id="{0FB56013-B943-42BA-886F-6F9D4EB85E9D}" type="slidenum">
               <a:rPr lang="en-US" smtClean="0"/>
-              <a:t>‹Nº›</a:t>
+              <a:t>‹Nr.›</a:t>
             </a:fld>
             <a:endParaRPr lang="en-US"/>
           </a:p>
@@ -2516,7 +2516,7 @@
           <a:p>
             <a:fld id="{6BFECD78-3C8E-49F2-8FAB-59489D168ABB}" type="datetimeFigureOut">
               <a:rPr lang="en-US" smtClean="0"/>
-              <a:t>5/6/2011</a:t>
+              <a:t>08/05/11</a:t>
             </a:fld>
             <a:endParaRPr lang="en-US"/>
           </a:p>
@@ -2558,7 +2558,7 @@
           <a:p>
             <a:fld id="{0FB56013-B943-42BA-886F-6F9D4EB85E9D}" type="slidenum">
               <a:rPr lang="en-US" smtClean="0"/>
-              <a:t>‹Nº›</a:t>
+              <a:t>‹Nr.›</a:t>
             </a:fld>
             <a:endParaRPr lang="en-US"/>
           </a:p>
@@ -2729,7 +2729,7 @@
           <a:p>
             <a:fld id="{6BFECD78-3C8E-49F2-8FAB-59489D168ABB}" type="datetimeFigureOut">
               <a:rPr lang="en-US" smtClean="0"/>
-              <a:t>5/6/2011</a:t>
+              <a:t>08/05/11</a:t>
             </a:fld>
             <a:endParaRPr lang="en-US"/>
           </a:p>
@@ -2807,7 +2807,7 @@
           <a:p>
             <a:fld id="{0FB56013-B943-42BA-886F-6F9D4EB85E9D}" type="slidenum">
               <a:rPr lang="en-US" smtClean="0"/>
-              <a:t>‹Nº›</a:t>
+              <a:t>‹Nr.›</a:t>
             </a:fld>
             <a:endParaRPr lang="en-US"/>
           </a:p>
@@ -3127,81 +3127,11 @@
           <a:lstStyle/>
           <a:p>
             <a:r>
-              <a:rPr lang="en-US" sz="5400" dirty="0" err="1">
-                <a:latin typeface="American Typewriter"/>
-                <a:cs typeface="American Typewriter"/>
-              </a:rPr>
-              <a:t>Estudio</a:t>
-            </a:r>
-            <a:r>
-              <a:rPr lang="en-US" sz="5400" dirty="0">
-                <a:latin typeface="American Typewriter"/>
-                <a:cs typeface="American Typewriter"/>
-              </a:rPr>
-              <a:t> </a:t>
-            </a:r>
-            <a:r>
-              <a:rPr lang="en-US" sz="5400" dirty="0" err="1" smtClean="0">
-                <a:latin typeface="American Typewriter"/>
-                <a:cs typeface="American Typewriter"/>
-              </a:rPr>
-              <a:t>teórico</a:t>
-            </a:r>
-            <a:r>
               <a:rPr lang="en-US" sz="5400" dirty="0" smtClean="0">
                 <a:latin typeface="American Typewriter"/>
                 <a:cs typeface="American Typewriter"/>
               </a:rPr>
-              <a:t>- </a:t>
-            </a:r>
-            <a:r>
-              <a:rPr lang="en-US" sz="5400" dirty="0" err="1">
-                <a:latin typeface="American Typewriter"/>
-                <a:cs typeface="American Typewriter"/>
-              </a:rPr>
-              <a:t>práctico</a:t>
-            </a:r>
-            <a:r>
-              <a:rPr lang="en-US" sz="5400" dirty="0">
-                <a:latin typeface="American Typewriter"/>
-                <a:cs typeface="American Typewriter"/>
-              </a:rPr>
-              <a:t> de la </a:t>
-            </a:r>
-            <a:r>
-              <a:rPr lang="en-US" sz="5400" dirty="0" err="1">
-                <a:latin typeface="American Typewriter"/>
-                <a:cs typeface="American Typewriter"/>
-              </a:rPr>
-              <a:t>robótica</a:t>
-            </a:r>
-            <a:r>
-              <a:rPr lang="en-US" sz="5400" dirty="0">
-                <a:latin typeface="American Typewriter"/>
-                <a:cs typeface="American Typewriter"/>
-              </a:rPr>
-              <a:t> al </a:t>
-            </a:r>
-            <a:r>
-              <a:rPr lang="en-US" sz="5400" dirty="0" err="1">
-                <a:latin typeface="American Typewriter"/>
-                <a:cs typeface="American Typewriter"/>
-              </a:rPr>
-              <a:t>servicio</a:t>
-            </a:r>
-            <a:r>
-              <a:rPr lang="en-US" sz="5400" dirty="0">
-                <a:latin typeface="American Typewriter"/>
-                <a:cs typeface="American Typewriter"/>
-              </a:rPr>
-              <a:t> de la </a:t>
-            </a:r>
-            <a:r>
-              <a:rPr lang="en-US" sz="5400" dirty="0" err="1">
-                <a:latin typeface="American Typewriter"/>
-                <a:cs typeface="American Typewriter"/>
-              </a:rPr>
-              <a:t>sociedad</a:t>
+              <a:t>Theoretical and Practical Study of Robotics</a:t>
             </a:r>
             <a:endParaRPr lang="en-US" sz="5400" dirty="0">
               <a:latin typeface="American Typewriter"/>
@@ -3259,7 +3189,7 @@
             </a:avLst>
           </a:prstGeom>
           <a:solidFill>
-            <a:srgbClr xmlns:mc="http://schemas.openxmlformats.org/markup-compatibility/2006" xmlns:a14="http://schemas.microsoft.com/office/drawing/2010/main" val="FFFFFF" mc:Ignorable="">
+            <a:srgbClr val="FFFFFF">
               <a:shade val="85000"/>
             </a:srgbClr>
           </a:solidFill>
@@ -3271,6 +3201,93 @@
           </a:effectLst>
         </p:spPr>
       </p:pic>
+      <p:sp>
+        <p:nvSpPr>
+          <p:cNvPr id="6" name="Title 1"/>
+          <p:cNvSpPr txBox="1">
+            <a:spLocks/>
+          </p:cNvSpPr>
+          <p:nvPr/>
+        </p:nvSpPr>
+        <p:spPr>
+          <a:xfrm>
+            <a:off x="2936874" y="6159500"/>
+            <a:ext cx="5661025" cy="500715"/>
+          </a:xfrm>
+          <a:prstGeom prst="rect">
+            <a:avLst/>
+          </a:prstGeom>
+        </p:spPr>
+        <p:txBody>
+          <a:bodyPr vert="horz" lIns="91440" tIns="45720" rIns="91440" bIns="45720" rtlCol="0" anchor="ctr">
+            <a:normAutofit fontScale="47500" lnSpcReduction="20000"/>
+          </a:bodyPr>
+          <a:lstStyle>
+            <a:lvl1pPr algn="ctr" defTabSz="914400" rtl="0" eaLnBrk="1" latinLnBrk="0" hangingPunct="1">
+              <a:spcBef>
+                <a:spcPct val="0"/>
+              </a:spcBef>
+              <a:buNone/>
+              <a:defRPr sz="4400" kern="1200">
+                <a:solidFill>
+                  <a:schemeClr val="tx1"/>
+                </a:solidFill>
+                <a:latin typeface="+mj-lt"/>
+                <a:ea typeface="+mj-ea"/>
+                <a:cs typeface="+mj-cs"/>
+              </a:defRPr>
+            </a:lvl1pPr>
+          </a:lstStyle>
+          <a:p>
+            <a:r>
+              <a:rPr lang="en-US" sz="5400" dirty="0" smtClean="0">
+                <a:latin typeface="American Typewriter"/>
+                <a:cs typeface="American Typewriter"/>
+              </a:rPr>
+              <a:t>Miguel Ruiz </a:t>
+            </a:r>
+            <a:r>
+              <a:rPr lang="en-US" sz="5400" dirty="0" err="1" smtClean="0">
+                <a:latin typeface="American Typewriter"/>
+                <a:cs typeface="American Typewriter"/>
+              </a:rPr>
+              <a:t>Nogu</a:t>
+            </a:r>
+            <a:r>
+              <a:rPr lang="en-US" sz="5400" dirty="0" err="1" smtClean="0">
+                <a:latin typeface="American Typewriter"/>
+                <a:cs typeface="American Typewriter"/>
+              </a:rPr>
+              <a:t>és</a:t>
+            </a:r>
+            <a:r>
+              <a:rPr lang="en-US" sz="5400" dirty="0">
+                <a:latin typeface="American Typewriter"/>
+                <a:cs typeface="American Typewriter"/>
+              </a:rPr>
+              <a:t> </a:t>
+            </a:r>
+            <a:r>
+              <a:rPr lang="es-ES" sz="5400" dirty="0" smtClean="0">
+                <a:latin typeface="American Typewriter"/>
+                <a:cs typeface="American Typewriter"/>
+              </a:rPr>
+              <a:t>–</a:t>
+            </a:r>
+            <a:r>
+              <a:rPr lang="en-US" sz="5400" dirty="0" smtClean="0">
+                <a:latin typeface="American Typewriter"/>
+                <a:cs typeface="American Typewriter"/>
+              </a:rPr>
+              <a:t> S10002540</a:t>
+            </a:r>
+            <a:endParaRPr lang="en-US" sz="5400" dirty="0">
+              <a:latin typeface="American Typewriter"/>
+              <a:cs typeface="American Typewriter"/>
+            </a:endParaRPr>
+          </a:p>
+        </p:txBody>
+      </p:sp>
     </p:spTree>
     <p:extLst>
       <p:ext uri="{BB962C8B-B14F-4D97-AF65-F5344CB8AC3E}">
@@ -3381,10 +3398,10 @@
           </a:prstGeom>
           <a:noFill/>
           <a:extLst>
-            <a:ext uri="{909E8E84-426E-40DD-AFC4-6F175D3DCCD1}">
+            <a:ext uri="{909E8E84-426E-40dd-AFC4-6F175D3DCCD1}">
               <a14:hiddenFill xmlns:a14="http://schemas.microsoft.com/office/drawing/2010/main">
                 <a:solidFill>
-                  <a:srgbClr xmlns:mc="http://schemas.openxmlformats.org/markup-compatibility/2006" val="FFFFFF" mc:Ignorable=""/>
+                  <a:srgbClr val="FFFFFF"/>
                 </a:solidFill>
               </a14:hiddenFill>
             </a:ext>
@@ -3461,7 +3478,7 @@
         <p:spPr>
           <a:xfrm>
             <a:off x="618792" y="208597"/>
-            <a:ext cx="2980303" cy="707886"/>
+            <a:ext cx="3302436" cy="707886"/>
           </a:xfrm>
           <a:prstGeom prst="rect">
             <a:avLst/>
@@ -3475,14 +3492,14 @@
           <a:p>
             <a:pPr lvl="0"/>
             <a:r>
-              <a:rPr lang="es-ES_tradnl" sz="4000" dirty="0" smtClean="0">
+              <a:rPr lang="es-ES_tradnl" sz="4000" dirty="0" err="1" smtClean="0">
                 <a:solidFill>
                   <a:prstClr val="white"/>
                 </a:solidFill>
                 <a:latin typeface="American Typewriter"/>
                 <a:cs typeface="American Typewriter"/>
               </a:rPr>
-              <a:t>Introducción</a:t>
+              <a:t>Introduction</a:t>
             </a:r>
             <a:endParaRPr lang="en-US" sz="4000" dirty="0">
               <a:solidFill>
@@ -3562,10 +3579,10 @@
           </a:prstGeom>
           <a:noFill/>
           <a:extLst>
-            <a:ext uri="{909E8E84-426E-40DD-AFC4-6F175D3DCCD1}">
+            <a:ext uri="{909E8E84-426E-40dd-AFC4-6F175D3DCCD1}">
               <a14:hiddenFill xmlns:a14="http://schemas.microsoft.com/office/drawing/2010/main">
                 <a:solidFill>
-                  <a:srgbClr xmlns:mc="http://schemas.openxmlformats.org/markup-compatibility/2006" val="FFFFFF" mc:Ignorable=""/>
+                  <a:srgbClr val="FFFFFF"/>
                 </a:solidFill>
               </a14:hiddenFill>
             </a:ext>
@@ -3618,7 +3635,7 @@
         <p:spPr>
           <a:xfrm>
             <a:off x="618792" y="208597"/>
-            <a:ext cx="3920240" cy="707886"/>
+            <a:ext cx="3973388" cy="707886"/>
           </a:xfrm>
           <a:prstGeom prst="rect">
             <a:avLst/>
@@ -3639,7 +3656,17 @@
                 <a:latin typeface="American Typewriter"/>
                 <a:cs typeface="American Typewriter"/>
               </a:rPr>
-              <a:t>Problema Actual</a:t>
+              <a:t>Actual </a:t>
+            </a:r>
+            <a:r>
+              <a:rPr lang="es-ES_tradnl" sz="4000" dirty="0" err="1" smtClean="0">
+                <a:solidFill>
+                  <a:prstClr val="white"/>
+                </a:solidFill>
+                <a:latin typeface="American Typewriter"/>
+                <a:cs typeface="American Typewriter"/>
+              </a:rPr>
+              <a:t>Problem</a:t>
             </a:r>
             <a:endParaRPr lang="en-US" sz="4000" dirty="0">
               <a:solidFill>
@@ -3682,10 +3709,10 @@
           </a:prstGeom>
           <a:noFill/>
           <a:extLst>
-            <a:ext uri="{909E8E84-426E-40DD-AFC4-6F175D3DCCD1}">
+            <a:ext uri="{909E8E84-426E-40dd-AFC4-6F175D3DCCD1}">
               <a14:hiddenFill xmlns:a14="http://schemas.microsoft.com/office/drawing/2010/main">
                 <a:solidFill>
-                  <a:srgbClr xmlns:mc="http://schemas.openxmlformats.org/markup-compatibility/2006" val="FFFFFF" mc:Ignorable=""/>
+                  <a:srgbClr val="FFFFFF"/>
                 </a:solidFill>
               </a14:hiddenFill>
             </a:ext>
@@ -3802,14 +3829,75 @@
           </a:prstGeom>
           <a:noFill/>
           <a:extLst>
-            <a:ext uri="{909E8E84-426E-40DD-AFC4-6F175D3DCCD1}">
+            <a:ext uri="{909E8E84-426E-40dd-AFC4-6F175D3DCCD1}">
               <a14:hiddenFill xmlns:a14="http://schemas.microsoft.com/office/drawing/2010/main">
                 <a:solidFill>
-                  <a:srgbClr xmlns:mc="http://schemas.openxmlformats.org/markup-compatibility/2006" val="FFFFFF" mc:Ignorable=""/>
+                  <a:srgbClr val="FFFFFF"/>
                 </a:solidFill>
               </a14:hiddenFill>
             </a:ext>
           </a:extLst>
+        </p:spPr>
+      </p:pic>
+      <p:sp>
+        <p:nvSpPr>
+          <p:cNvPr id="5" name="TextBox 6"/>
+          <p:cNvSpPr txBox="1"/>
+          <p:nvPr/>
+        </p:nvSpPr>
+        <p:spPr>
+          <a:xfrm>
+            <a:off x="0" y="1758610"/>
+            <a:ext cx="9144000" cy="1938992"/>
+          </a:xfrm>
+          <a:prstGeom prst="rect">
+            <a:avLst/>
+          </a:prstGeom>
+          <a:noFill/>
+        </p:spPr>
+        <p:txBody>
+          <a:bodyPr wrap="square" rtlCol="0">
+            <a:spAutoFit/>
+          </a:bodyPr>
+          <a:lstStyle/>
+          <a:p>
+            <a:pPr algn="ctr"/>
+            <a:r>
+              <a:rPr lang="es-ES_tradnl" sz="4000" dirty="0">
+                <a:latin typeface="American Typewriter"/>
+                <a:cs typeface="American Typewriter"/>
+              </a:rPr>
+              <a:t>“ Crear un robot para guiar a personas ciegas a través de un supermercado”</a:t>
+            </a:r>
+            <a:endParaRPr lang="en-US" sz="4000" dirty="0">
+              <a:latin typeface="American Typewriter"/>
+              <a:cs typeface="American Typewriter"/>
+            </a:endParaRPr>
+          </a:p>
+        </p:txBody>
+      </p:sp>
+      <p:pic>
+        <p:nvPicPr>
+          <p:cNvPr id="7" name="Picture 3"/>
+          <p:cNvPicPr>
+            <a:picLocks noChangeAspect="1"/>
+          </p:cNvPicPr>
+          <p:nvPr/>
+        </p:nvPicPr>
+        <p:blipFill>
+          <a:blip r:embed="rId3"/>
+          <a:stretch>
+            <a:fillRect/>
+          </a:stretch>
+        </p:blipFill>
+        <p:spPr>
+          <a:xfrm>
+            <a:off x="2470211" y="4525191"/>
+            <a:ext cx="4022149" cy="931691"/>
+          </a:xfrm>
+          <a:prstGeom prst="rect">
+            <a:avLst/>
+          </a:prstGeom>
         </p:spPr>
       </p:pic>
     </p:spTree>
@@ -3858,7 +3946,7 @@
         <p:spPr>
           <a:xfrm>
             <a:off x="618792" y="208597"/>
-            <a:ext cx="5659498" cy="707886"/>
+            <a:ext cx="6769539" cy="707886"/>
           </a:xfrm>
           <a:prstGeom prst="rect">
             <a:avLst/>
@@ -3872,6 +3960,16 @@
           <a:p>
             <a:pPr lvl="0"/>
             <a:r>
+              <a:rPr lang="es-ES_tradnl" sz="4000" dirty="0" err="1" smtClean="0">
+                <a:solidFill>
+                  <a:prstClr val="white"/>
+                </a:solidFill>
+                <a:latin typeface="American Typewriter"/>
+                <a:cs typeface="American Typewriter"/>
+              </a:rPr>
+              <a:t>Advantages</a:t>
+            </a:r>
+            <a:r>
               <a:rPr lang="es-ES_tradnl" sz="4000" dirty="0" smtClean="0">
                 <a:solidFill>
                   <a:prstClr val="white"/>
@@ -3879,7 +3977,37 @@
                 <a:latin typeface="American Typewriter"/>
                 <a:cs typeface="American Typewriter"/>
               </a:rPr>
-              <a:t>Ventajas de la Solución </a:t>
+              <a:t> of </a:t>
+            </a:r>
+            <a:r>
+              <a:rPr lang="es-ES_tradnl" sz="4000" dirty="0" err="1" smtClean="0">
+                <a:solidFill>
+                  <a:prstClr val="white"/>
+                </a:solidFill>
+                <a:latin typeface="American Typewriter"/>
+                <a:cs typeface="American Typewriter"/>
+              </a:rPr>
+              <a:t>the</a:t>
+            </a:r>
+            <a:r>
+              <a:rPr lang="es-ES_tradnl" sz="4000" dirty="0" smtClean="0">
+                <a:solidFill>
+                  <a:prstClr val="white"/>
+                </a:solidFill>
+                <a:latin typeface="American Typewriter"/>
+                <a:cs typeface="American Typewriter"/>
+              </a:rPr>
+              <a:t> </a:t>
+            </a:r>
+            <a:r>
+              <a:rPr lang="es-ES_tradnl" sz="4000" dirty="0" err="1" smtClean="0">
+                <a:solidFill>
+                  <a:prstClr val="white"/>
+                </a:solidFill>
+                <a:latin typeface="American Typewriter"/>
+                <a:cs typeface="American Typewriter"/>
+              </a:rPr>
+              <a:t>Solution</a:t>
             </a:r>
             <a:endParaRPr lang="en-US" sz="4000" dirty="0">
               <a:solidFill>
@@ -3922,10 +4050,10 @@
           </a:prstGeom>
           <a:noFill/>
           <a:extLst>
-            <a:ext uri="{909E8E84-426E-40DD-AFC4-6F175D3DCCD1}">
+            <a:ext uri="{909E8E84-426E-40dd-AFC4-6F175D3DCCD1}">
               <a14:hiddenFill xmlns:a14="http://schemas.microsoft.com/office/drawing/2010/main">
                 <a:solidFill>
-                  <a:srgbClr xmlns:mc="http://schemas.openxmlformats.org/markup-compatibility/2006" val="FFFFFF" mc:Ignorable=""/>
+                  <a:srgbClr val="FFFFFF"/>
                 </a:solidFill>
               </a14:hiddenFill>
             </a:ext>
@@ -3978,7 +4106,7 @@
         <p:spPr>
           <a:xfrm>
             <a:off x="618792" y="208597"/>
-            <a:ext cx="6316153" cy="707886"/>
+            <a:ext cx="1361402" cy="707886"/>
           </a:xfrm>
           <a:prstGeom prst="rect">
             <a:avLst/>
@@ -3999,7 +4127,7 @@
                 <a:latin typeface="American Typewriter"/>
                 <a:cs typeface="American Typewriter"/>
               </a:rPr>
-              <a:t>Arquitectura de la Solución</a:t>
+              <a:t>UML</a:t>
             </a:r>
             <a:endParaRPr lang="en-US" sz="4000" dirty="0">
               <a:solidFill>
@@ -4042,14 +4170,38 @@
           </a:prstGeom>
           <a:noFill/>
           <a:extLst>
-            <a:ext uri="{909E8E84-426E-40DD-AFC4-6F175D3DCCD1}">
+            <a:ext uri="{909E8E84-426E-40dd-AFC4-6F175D3DCCD1}">
               <a14:hiddenFill xmlns:a14="http://schemas.microsoft.com/office/drawing/2010/main">
                 <a:solidFill>
-                  <a:srgbClr xmlns:mc="http://schemas.openxmlformats.org/markup-compatibility/2006" val="FFFFFF" mc:Ignorable=""/>
+                  <a:srgbClr val="FFFFFF"/>
                 </a:solidFill>
               </a14:hiddenFill>
             </a:ext>
           </a:extLst>
+        </p:spPr>
+      </p:pic>
+      <p:pic>
+        <p:nvPicPr>
+          <p:cNvPr id="11" name="Imagen 10"/>
+          <p:cNvPicPr>
+            <a:picLocks noChangeAspect="1"/>
+          </p:cNvPicPr>
+          <p:nvPr/>
+        </p:nvPicPr>
+        <p:blipFill>
+          <a:blip r:embed="rId3"/>
+          <a:stretch>
+            <a:fillRect/>
+          </a:stretch>
+        </p:blipFill>
+        <p:spPr>
+          <a:xfrm>
+            <a:off x="0" y="1028700"/>
+            <a:ext cx="9144000" cy="4786685"/>
+          </a:xfrm>
+          <a:prstGeom prst="rect">
+            <a:avLst/>
+          </a:prstGeom>
         </p:spPr>
       </p:pic>
     </p:spTree>
@@ -4098,7 +4250,7 @@
         <p:spPr>
           <a:xfrm>
             <a:off x="618792" y="208597"/>
-            <a:ext cx="5630900" cy="707886"/>
+            <a:ext cx="1847171" cy="707886"/>
           </a:xfrm>
           <a:prstGeom prst="rect">
             <a:avLst/>
@@ -4112,16 +4264,16 @@
           <a:p>
             <a:pPr lvl="0"/>
             <a:r>
-              <a:rPr lang="es-ES_tradnl" sz="4000" dirty="0" smtClean="0">
+              <a:rPr lang="es-ES_tradnl" sz="4000" dirty="0" err="1" smtClean="0">
                 <a:solidFill>
                   <a:prstClr val="white"/>
                 </a:solidFill>
                 <a:latin typeface="American Typewriter"/>
                 <a:cs typeface="American Typewriter"/>
               </a:rPr>
-              <a:t>Tecnologías Empleadas</a:t>
-            </a:r>
-            <a:endParaRPr lang="en-US" sz="4000" dirty="0">
+              <a:t>Design</a:t>
+            </a:r>
+            <a:endParaRPr lang="es-ES_tradnl" sz="4000" dirty="0" smtClean="0">
               <a:solidFill>
                 <a:prstClr val="white"/>
               </a:solidFill>
@@ -4162,14 +4314,38 @@
           </a:prstGeom>
           <a:noFill/>
           <a:extLst>
-            <a:ext uri="{909E8E84-426E-40DD-AFC4-6F175D3DCCD1}">
+            <a:ext uri="{909E8E84-426E-40dd-AFC4-6F175D3DCCD1}">
               <a14:hiddenFill xmlns:a14="http://schemas.microsoft.com/office/drawing/2010/main">
                 <a:solidFill>
-                  <a:srgbClr xmlns:mc="http://schemas.openxmlformats.org/markup-compatibility/2006" val="FFFFFF" mc:Ignorable=""/>
+                  <a:srgbClr val="FFFFFF"/>
                 </a:solidFill>
               </a14:hiddenFill>
             </a:ext>
           </a:extLst>
+        </p:spPr>
+      </p:pic>
+      <p:pic>
+        <p:nvPicPr>
+          <p:cNvPr id="5" name="Imagen 4"/>
+          <p:cNvPicPr>
+            <a:picLocks noChangeAspect="1"/>
+          </p:cNvPicPr>
+          <p:nvPr/>
+        </p:nvPicPr>
+        <p:blipFill>
+          <a:blip r:embed="rId3"/>
+          <a:stretch>
+            <a:fillRect/>
+          </a:stretch>
+        </p:blipFill>
+        <p:spPr>
+          <a:xfrm>
+            <a:off x="618792" y="1073785"/>
+            <a:ext cx="7016750" cy="5258136"/>
+          </a:xfrm>
+          <a:prstGeom prst="rect">
+            <a:avLst/>
+          </a:prstGeom>
         </p:spPr>
       </p:pic>
     </p:spTree>
@@ -4218,7 +4394,7 @@
         <p:spPr>
           <a:xfrm>
             <a:off x="618792" y="208597"/>
-            <a:ext cx="1781257" cy="707886"/>
+            <a:ext cx="4313494" cy="707886"/>
           </a:xfrm>
           <a:prstGeom prst="rect">
             <a:avLst/>
@@ -4232,6 +4408,16 @@
           <a:p>
             <a:pPr lvl="0"/>
             <a:r>
+              <a:rPr lang="es-ES_tradnl" sz="4000" dirty="0" err="1" smtClean="0">
+                <a:solidFill>
+                  <a:prstClr val="white"/>
+                </a:solidFill>
+                <a:latin typeface="American Typewriter"/>
+                <a:cs typeface="American Typewriter"/>
+              </a:rPr>
+              <a:t>Technology</a:t>
+            </a:r>
+            <a:r>
               <a:rPr lang="es-ES_tradnl" sz="4000" dirty="0" smtClean="0">
                 <a:solidFill>
                   <a:prstClr val="white"/>
@@ -4239,7 +4425,17 @@
                 <a:latin typeface="American Typewriter"/>
                 <a:cs typeface="American Typewriter"/>
               </a:rPr>
-              <a:t>Diseño</a:t>
+              <a:t> </a:t>
+            </a:r>
+            <a:r>
+              <a:rPr lang="es-ES_tradnl" sz="4000" dirty="0" err="1" smtClean="0">
+                <a:solidFill>
+                  <a:prstClr val="white"/>
+                </a:solidFill>
+                <a:latin typeface="American Typewriter"/>
+                <a:cs typeface="American Typewriter"/>
+              </a:rPr>
+              <a:t>Used</a:t>
             </a:r>
             <a:endParaRPr lang="en-US" sz="4000" dirty="0">
               <a:solidFill>
@@ -4282,14 +4478,38 @@
           </a:prstGeom>
           <a:noFill/>
           <a:extLst>
-            <a:ext uri="{909E8E84-426E-40DD-AFC4-6F175D3DCCD1}">
+            <a:ext uri="{909E8E84-426E-40dd-AFC4-6F175D3DCCD1}">
               <a14:hiddenFill xmlns:a14="http://schemas.microsoft.com/office/drawing/2010/main">
                 <a:solidFill>
-                  <a:srgbClr xmlns:mc="http://schemas.openxmlformats.org/markup-compatibility/2006" val="FFFFFF" mc:Ignorable=""/>
+                  <a:srgbClr val="FFFFFF"/>
                 </a:solidFill>
               </a14:hiddenFill>
             </a:ext>
           </a:extLst>
+        </p:spPr>
+      </p:pic>
+      <p:pic>
+        <p:nvPicPr>
+          <p:cNvPr id="2" name="Imagen 1"/>
+          <p:cNvPicPr>
+            <a:picLocks noChangeAspect="1"/>
+          </p:cNvPicPr>
+          <p:nvPr/>
+        </p:nvPicPr>
+        <p:blipFill>
+          <a:blip r:embed="rId3"/>
+          <a:stretch>
+            <a:fillRect/>
+          </a:stretch>
+        </p:blipFill>
+        <p:spPr>
+          <a:xfrm>
+            <a:off x="15875" y="1539875"/>
+            <a:ext cx="9144000" cy="4551275"/>
+          </a:xfrm>
+          <a:prstGeom prst="rect">
+            <a:avLst/>
+          </a:prstGeom>
         </p:spPr>
       </p:pic>
     </p:spTree>
@@ -4402,16 +4622,2692 @@
           </a:prstGeom>
           <a:noFill/>
           <a:extLst>
-            <a:ext uri="{909E8E84-426E-40DD-AFC4-6F175D3DCCD1}">
+            <a:ext uri="{909E8E84-426E-40dd-AFC4-6F175D3DCCD1}">
               <a14:hiddenFill xmlns:a14="http://schemas.microsoft.com/office/drawing/2010/main">
                 <a:solidFill>
-                  <a:srgbClr xmlns:mc="http://schemas.openxmlformats.org/markup-compatibility/2006" val="FFFFFF" mc:Ignorable=""/>
+                  <a:srgbClr val="FFFFFF"/>
                 </a:solidFill>
               </a14:hiddenFill>
             </a:ext>
           </a:extLst>
         </p:spPr>
       </p:pic>
+      <p:sp>
+        <p:nvSpPr>
+          <p:cNvPr id="5" name="CuadroTexto 4"/>
+          <p:cNvSpPr txBox="1"/>
+          <p:nvPr/>
+        </p:nvSpPr>
+        <p:spPr>
+          <a:xfrm>
+            <a:off x="1587501" y="5445125"/>
+            <a:ext cx="7446176" cy="1200329"/>
+          </a:xfrm>
+          <a:prstGeom prst="rect">
+            <a:avLst/>
+          </a:prstGeom>
+          <a:noFill/>
+        </p:spPr>
+        <p:txBody>
+          <a:bodyPr wrap="none" rtlCol="0">
+            <a:spAutoFit/>
+          </a:bodyPr>
+          <a:lstStyle/>
+          <a:p>
+            <a:pPr lvl="0"/>
+            <a:r>
+              <a:rPr lang="es-ES_tradnl" sz="5400" dirty="0" err="1" smtClean="0">
+                <a:solidFill>
+                  <a:prstClr val="white"/>
+                </a:solidFill>
+                <a:latin typeface="American Typewriter"/>
+                <a:cs typeface="American Typewriter"/>
+              </a:rPr>
+              <a:t>Objective</a:t>
+            </a:r>
+            <a:r>
+              <a:rPr lang="es-ES_tradnl" sz="5400" dirty="0" smtClean="0">
+                <a:solidFill>
+                  <a:prstClr val="white"/>
+                </a:solidFill>
+                <a:latin typeface="American Typewriter"/>
+                <a:cs typeface="American Typewriter"/>
+              </a:rPr>
+              <a:t>: </a:t>
+            </a:r>
+            <a:r>
+              <a:rPr lang="es-ES_tradnl" sz="5400" dirty="0" err="1">
+                <a:solidFill>
+                  <a:prstClr val="white"/>
+                </a:solidFill>
+                <a:latin typeface="American Typewriter"/>
+                <a:cs typeface="American Typewriter"/>
+              </a:rPr>
+              <a:t>L</a:t>
+            </a:r>
+            <a:r>
+              <a:rPr lang="es-ES_tradnl" sz="5400" dirty="0" err="1" smtClean="0">
+                <a:solidFill>
+                  <a:prstClr val="white"/>
+                </a:solidFill>
+                <a:latin typeface="American Typewriter"/>
+                <a:cs typeface="American Typewriter"/>
+              </a:rPr>
+              <a:t>ow</a:t>
+            </a:r>
+            <a:r>
+              <a:rPr lang="es-ES_tradnl" sz="5400" dirty="0" smtClean="0">
+                <a:solidFill>
+                  <a:prstClr val="white"/>
+                </a:solidFill>
+                <a:latin typeface="American Typewriter"/>
+                <a:cs typeface="American Typewriter"/>
+              </a:rPr>
+              <a:t> </a:t>
+            </a:r>
+            <a:r>
+              <a:rPr lang="es-ES_tradnl" sz="5400" dirty="0">
+                <a:solidFill>
+                  <a:prstClr val="white"/>
+                </a:solidFill>
+                <a:latin typeface="American Typewriter"/>
+                <a:cs typeface="American Typewriter"/>
+              </a:rPr>
+              <a:t>B</a:t>
+            </a:r>
+            <a:r>
+              <a:rPr lang="es-ES_tradnl" sz="5400" dirty="0" smtClean="0">
+                <a:solidFill>
+                  <a:prstClr val="white"/>
+                </a:solidFill>
+                <a:latin typeface="American Typewriter"/>
+                <a:cs typeface="American Typewriter"/>
+              </a:rPr>
+              <a:t>udget</a:t>
+            </a:r>
+            <a:endParaRPr lang="es-ES_tradnl" sz="5400" dirty="0">
+              <a:solidFill>
+                <a:prstClr val="white"/>
+              </a:solidFill>
+              <a:latin typeface="American Typewriter"/>
+              <a:cs typeface="American Typewriter"/>
+            </a:endParaRPr>
+          </a:p>
+          <a:p>
+            <a:endParaRPr lang="es-ES" dirty="0"/>
+          </a:p>
+        </p:txBody>
+      </p:sp>
+      <p:pic>
+        <p:nvPicPr>
+          <p:cNvPr id="7" name="Imagen 6"/>
+          <p:cNvPicPr>
+            <a:picLocks noChangeAspect="1"/>
+          </p:cNvPicPr>
+          <p:nvPr/>
+        </p:nvPicPr>
+        <p:blipFill>
+          <a:blip r:embed="rId3"/>
+          <a:stretch>
+            <a:fillRect/>
+          </a:stretch>
+        </p:blipFill>
+        <p:spPr>
+          <a:xfrm>
+            <a:off x="571501" y="5445125"/>
+            <a:ext cx="1016000" cy="1016000"/>
+          </a:xfrm>
+          <a:prstGeom prst="rect">
+            <a:avLst/>
+          </a:prstGeom>
+        </p:spPr>
+      </p:pic>
+      <p:graphicFrame>
+        <p:nvGraphicFramePr>
+          <p:cNvPr id="10" name="Tabla 9"/>
+          <p:cNvGraphicFramePr>
+            <a:graphicFrameLocks noGrp="1"/>
+          </p:cNvGraphicFramePr>
+          <p:nvPr>
+            <p:extLst>
+              <p:ext uri="{D42A27DB-BD31-4B8C-83A1-F6EECF244321}">
+                <p14:modId xmlns:p14="http://schemas.microsoft.com/office/powerpoint/2010/main" val="3369841910"/>
+              </p:ext>
+            </p:extLst>
+          </p:nvPr>
+        </p:nvGraphicFramePr>
+        <p:xfrm>
+          <a:off x="1936751" y="956178"/>
+          <a:ext cx="5191123" cy="4406488"/>
+        </p:xfrm>
+        <a:graphic>
+          <a:graphicData uri="http://schemas.openxmlformats.org/drawingml/2006/table">
+            <a:tbl>
+              <a:tblPr/>
+              <a:tblGrid>
+                <a:gridCol w="1631496"/>
+                <a:gridCol w="1631496"/>
+                <a:gridCol w="1631496"/>
+                <a:gridCol w="296635"/>
+              </a:tblGrid>
+              <a:tr h="202787">
+                <a:tc>
+                  <a:txBody>
+                    <a:bodyPr/>
+                    <a:lstStyle/>
+                    <a:p>
+                      <a:pPr algn="ctr" fontAlgn="ctr"/>
+                      <a:r>
+                        <a:rPr lang="es-ES_tradnl" sz="1200" b="1" i="0" u="none" strike="noStrike">
+                          <a:solidFill>
+                            <a:srgbClr val="FFFFFF"/>
+                          </a:solidFill>
+                          <a:effectLst/>
+                          <a:latin typeface="Cambria"/>
+                        </a:rPr>
+                        <a:t>Hardware</a:t>
+                      </a:r>
+                    </a:p>
+                  </a:txBody>
+                  <a:tcPr marL="9921" marR="9921" marT="9921" marB="0" anchor="ctr">
+                    <a:lnL>
+                      <a:noFill/>
+                    </a:lnL>
+                    <a:lnR>
+                      <a:noFill/>
+                    </a:lnR>
+                    <a:lnT>
+                      <a:noFill/>
+                    </a:lnT>
+                    <a:lnB w="25400" cap="flat" cmpd="dbl" algn="ctr">
+                      <a:solidFill>
+                        <a:srgbClr val="FFFFFF"/>
+                      </a:solidFill>
+                      <a:prstDash val="solid"/>
+                      <a:round/>
+                      <a:headEnd type="none" w="med" len="med"/>
+                      <a:tailEnd type="none" w="med" len="med"/>
+                    </a:lnB>
+                    <a:solidFill>
+                      <a:srgbClr val="000000"/>
+                    </a:solidFill>
+                  </a:tcPr>
+                </a:tc>
+                <a:tc>
+                  <a:txBody>
+                    <a:bodyPr/>
+                    <a:lstStyle/>
+                    <a:p>
+                      <a:pPr algn="ctr" fontAlgn="ctr"/>
+                      <a:r>
+                        <a:rPr lang="es-ES_tradnl" sz="1200" b="1" i="0" u="none" strike="noStrike">
+                          <a:solidFill>
+                            <a:srgbClr val="FFFFFF"/>
+                          </a:solidFill>
+                          <a:effectLst/>
+                          <a:latin typeface="Cambria"/>
+                        </a:rPr>
+                        <a:t>Cuantity</a:t>
+                      </a:r>
+                    </a:p>
+                  </a:txBody>
+                  <a:tcPr marL="9921" marR="9921" marT="9921" marB="0" anchor="ctr">
+                    <a:lnL>
+                      <a:noFill/>
+                    </a:lnL>
+                    <a:lnR>
+                      <a:noFill/>
+                    </a:lnR>
+                    <a:lnT>
+                      <a:noFill/>
+                    </a:lnT>
+                    <a:lnB w="25400" cap="flat" cmpd="dbl" algn="ctr">
+                      <a:solidFill>
+                        <a:srgbClr val="FFFFFF"/>
+                      </a:solidFill>
+                      <a:prstDash val="solid"/>
+                      <a:round/>
+                      <a:headEnd type="none" w="med" len="med"/>
+                      <a:tailEnd type="none" w="med" len="med"/>
+                    </a:lnB>
+                    <a:solidFill>
+                      <a:srgbClr val="000000"/>
+                    </a:solidFill>
+                  </a:tcPr>
+                </a:tc>
+                <a:tc>
+                  <a:txBody>
+                    <a:bodyPr/>
+                    <a:lstStyle/>
+                    <a:p>
+                      <a:pPr algn="ctr" fontAlgn="ctr"/>
+                      <a:r>
+                        <a:rPr lang="es-ES_tradnl" sz="1200" b="1" i="0" u="none" strike="noStrike">
+                          <a:solidFill>
+                            <a:srgbClr val="FFFFFF"/>
+                          </a:solidFill>
+                          <a:effectLst/>
+                          <a:latin typeface="Cambria"/>
+                        </a:rPr>
+                        <a:t>Price</a:t>
+                      </a:r>
+                    </a:p>
+                  </a:txBody>
+                  <a:tcPr marL="9921" marR="9921" marT="9921" marB="0" anchor="ctr">
+                    <a:lnL>
+                      <a:noFill/>
+                    </a:lnL>
+                    <a:lnR>
+                      <a:noFill/>
+                    </a:lnR>
+                    <a:lnT>
+                      <a:noFill/>
+                    </a:lnT>
+                    <a:lnB w="25400" cap="flat" cmpd="dbl" algn="ctr">
+                      <a:solidFill>
+                        <a:srgbClr val="FFFFFF"/>
+                      </a:solidFill>
+                      <a:prstDash val="solid"/>
+                      <a:round/>
+                      <a:headEnd type="none" w="med" len="med"/>
+                      <a:tailEnd type="none" w="med" len="med"/>
+                    </a:lnB>
+                    <a:solidFill>
+                      <a:srgbClr val="000000"/>
+                    </a:solidFill>
+                  </a:tcPr>
+                </a:tc>
+                <a:tc>
+                  <a:txBody>
+                    <a:bodyPr/>
+                    <a:lstStyle/>
+                    <a:p>
+                      <a:pPr algn="l" fontAlgn="b"/>
+                      <a:r>
+                        <a:rPr lang="es-ES_tradnl" sz="900" b="0" i="0" u="none" strike="noStrike">
+                          <a:solidFill>
+                            <a:srgbClr val="FFFFFF"/>
+                          </a:solidFill>
+                          <a:effectLst/>
+                          <a:latin typeface="Calibri"/>
+                        </a:rPr>
+                        <a:t> </a:t>
+                      </a:r>
+                    </a:p>
+                  </a:txBody>
+                  <a:tcPr marL="9921" marR="9921" marT="9921" marB="0" anchor="b">
+                    <a:lnL>
+                      <a:noFill/>
+                    </a:lnL>
+                    <a:lnR>
+                      <a:noFill/>
+                    </a:lnR>
+                    <a:lnT>
+                      <a:noFill/>
+                    </a:lnT>
+                    <a:lnB>
+                      <a:noFill/>
+                    </a:lnB>
+                    <a:solidFill>
+                      <a:srgbClr val="000000"/>
+                    </a:solidFill>
+                  </a:tcPr>
+                </a:tc>
+              </a:tr>
+              <a:tr h="231757">
+                <a:tc>
+                  <a:txBody>
+                    <a:bodyPr/>
+                    <a:lstStyle/>
+                    <a:p>
+                      <a:pPr algn="l" fontAlgn="ctr"/>
+                      <a:r>
+                        <a:rPr lang="es-ES_tradnl" sz="1200" b="0" i="0" u="none" strike="noStrike">
+                          <a:solidFill>
+                            <a:srgbClr val="FFFFFF"/>
+                          </a:solidFill>
+                          <a:effectLst/>
+                          <a:latin typeface="Cambria"/>
+                        </a:rPr>
+                        <a:t>NXT Brick</a:t>
+                      </a:r>
+                    </a:p>
+                  </a:txBody>
+                  <a:tcPr marL="9921" marR="9921" marT="9921" marB="0" anchor="ctr">
+                    <a:lnL>
+                      <a:noFill/>
+                    </a:lnL>
+                    <a:lnR w="12700" cap="flat" cmpd="sng" algn="ctr">
+                      <a:solidFill>
+                        <a:srgbClr val="FFFFFF"/>
+                      </a:solidFill>
+                      <a:prstDash val="solid"/>
+                      <a:round/>
+                      <a:headEnd type="none" w="med" len="med"/>
+                      <a:tailEnd type="none" w="med" len="med"/>
+                    </a:lnR>
+                    <a:lnT w="25400" cap="flat" cmpd="dbl" algn="ctr">
+                      <a:solidFill>
+                        <a:srgbClr val="FFFFFF"/>
+                      </a:solidFill>
+                      <a:prstDash val="solid"/>
+                      <a:round/>
+                      <a:headEnd type="none" w="med" len="med"/>
+                      <a:tailEnd type="none" w="med" len="med"/>
+                    </a:lnT>
+                    <a:lnB>
+                      <a:noFill/>
+                    </a:lnB>
+                    <a:solidFill>
+                      <a:srgbClr val="000000"/>
+                    </a:solidFill>
+                  </a:tcPr>
+                </a:tc>
+                <a:tc>
+                  <a:txBody>
+                    <a:bodyPr/>
+                    <a:lstStyle/>
+                    <a:p>
+                      <a:pPr algn="ctr" fontAlgn="ctr"/>
+                      <a:r>
+                        <a:rPr lang="es-ES_tradnl" sz="1200" b="0" i="0" u="none" strike="noStrike">
+                          <a:solidFill>
+                            <a:srgbClr val="FFFFFF"/>
+                          </a:solidFill>
+                          <a:effectLst/>
+                          <a:latin typeface="Cambria"/>
+                        </a:rPr>
+                        <a:t>1</a:t>
+                      </a:r>
+                    </a:p>
+                  </a:txBody>
+                  <a:tcPr marL="9921" marR="9921" marT="9921" marB="0" anchor="ctr">
+                    <a:lnL w="12700" cap="flat" cmpd="sng" algn="ctr">
+                      <a:solidFill>
+                        <a:srgbClr val="FFFFFF"/>
+                      </a:solidFill>
+                      <a:prstDash val="solid"/>
+                      <a:round/>
+                      <a:headEnd type="none" w="med" len="med"/>
+                      <a:tailEnd type="none" w="med" len="med"/>
+                    </a:lnL>
+                    <a:lnR w="12700" cap="flat" cmpd="sng" algn="ctr">
+                      <a:solidFill>
+                        <a:srgbClr val="FFFFFF"/>
+                      </a:solidFill>
+                      <a:prstDash val="solid"/>
+                      <a:round/>
+                      <a:headEnd type="none" w="med" len="med"/>
+                      <a:tailEnd type="none" w="med" len="med"/>
+                    </a:lnR>
+                    <a:lnT w="25400" cap="flat" cmpd="dbl" algn="ctr">
+                      <a:solidFill>
+                        <a:srgbClr val="FFFFFF"/>
+                      </a:solidFill>
+                      <a:prstDash val="solid"/>
+                      <a:round/>
+                      <a:headEnd type="none" w="med" len="med"/>
+                      <a:tailEnd type="none" w="med" len="med"/>
+                    </a:lnT>
+                    <a:lnB>
+                      <a:noFill/>
+                    </a:lnB>
+                    <a:solidFill>
+                      <a:srgbClr val="000000"/>
+                    </a:solidFill>
+                  </a:tcPr>
+                </a:tc>
+                <a:tc>
+                  <a:txBody>
+                    <a:bodyPr/>
+                    <a:lstStyle/>
+                    <a:p>
+                      <a:pPr algn="r" fontAlgn="ctr"/>
+                      <a:r>
+                        <a:rPr lang="es-ES_tradnl" sz="1200" b="0" i="0" u="none" strike="noStrike">
+                          <a:solidFill>
+                            <a:srgbClr val="FFFFFF"/>
+                          </a:solidFill>
+                          <a:effectLst/>
+                          <a:latin typeface="Cambria"/>
+                        </a:rPr>
+                        <a:t>158.95</a:t>
+                      </a:r>
+                    </a:p>
+                  </a:txBody>
+                  <a:tcPr marL="9921" marR="9921" marT="9921" marB="0" anchor="ctr">
+                    <a:lnL w="12700" cap="flat" cmpd="sng" algn="ctr">
+                      <a:solidFill>
+                        <a:srgbClr val="FFFFFF"/>
+                      </a:solidFill>
+                      <a:prstDash val="solid"/>
+                      <a:round/>
+                      <a:headEnd type="none" w="med" len="med"/>
+                      <a:tailEnd type="none" w="med" len="med"/>
+                    </a:lnL>
+                    <a:lnR>
+                      <a:noFill/>
+                    </a:lnR>
+                    <a:lnT w="25400" cap="flat" cmpd="dbl" algn="ctr">
+                      <a:solidFill>
+                        <a:srgbClr val="FFFFFF"/>
+                      </a:solidFill>
+                      <a:prstDash val="solid"/>
+                      <a:round/>
+                      <a:headEnd type="none" w="med" len="med"/>
+                      <a:tailEnd type="none" w="med" len="med"/>
+                    </a:lnT>
+                    <a:lnB>
+                      <a:noFill/>
+                    </a:lnB>
+                    <a:solidFill>
+                      <a:srgbClr val="000000"/>
+                    </a:solidFill>
+                  </a:tcPr>
+                </a:tc>
+                <a:tc>
+                  <a:txBody>
+                    <a:bodyPr/>
+                    <a:lstStyle/>
+                    <a:p>
+                      <a:pPr algn="l" fontAlgn="ctr"/>
+                      <a:r>
+                        <a:rPr lang="es-ES_tradnl" sz="1400" b="0" i="0" u="none" strike="noStrike">
+                          <a:solidFill>
+                            <a:srgbClr val="FFFFFF"/>
+                          </a:solidFill>
+                          <a:effectLst/>
+                          <a:latin typeface="Calibri"/>
+                        </a:rPr>
+                        <a:t>$</a:t>
+                      </a:r>
+                    </a:p>
+                  </a:txBody>
+                  <a:tcPr marL="9921" marR="9921" marT="9921" marB="0" anchor="ctr">
+                    <a:lnL>
+                      <a:noFill/>
+                    </a:lnL>
+                    <a:lnR>
+                      <a:noFill/>
+                    </a:lnR>
+                    <a:lnT>
+                      <a:noFill/>
+                    </a:lnT>
+                    <a:lnB>
+                      <a:noFill/>
+                    </a:lnB>
+                    <a:solidFill>
+                      <a:srgbClr val="000000"/>
+                    </a:solidFill>
+                  </a:tcPr>
+                </a:tc>
+              </a:tr>
+              <a:tr h="386261">
+                <a:tc>
+                  <a:txBody>
+                    <a:bodyPr/>
+                    <a:lstStyle/>
+                    <a:p>
+                      <a:pPr algn="l" fontAlgn="ctr"/>
+                      <a:r>
+                        <a:rPr lang="es-ES_tradnl" sz="1200" b="0" i="0" u="none" strike="noStrike">
+                          <a:solidFill>
+                            <a:srgbClr val="FFFFFF"/>
+                          </a:solidFill>
+                          <a:effectLst/>
+                          <a:latin typeface="Cambria"/>
+                        </a:rPr>
+                        <a:t>NXT Ultrasonic Sensor </a:t>
+                      </a:r>
+                    </a:p>
+                  </a:txBody>
+                  <a:tcPr marL="9921" marR="9921" marT="9921" marB="0" anchor="ctr">
+                    <a:lnL>
+                      <a:noFill/>
+                    </a:lnL>
+                    <a:lnR w="12700" cap="flat" cmpd="sng" algn="ctr">
+                      <a:solidFill>
+                        <a:srgbClr val="FFFFFF"/>
+                      </a:solidFill>
+                      <a:prstDash val="solid"/>
+                      <a:round/>
+                      <a:headEnd type="none" w="med" len="med"/>
+                      <a:tailEnd type="none" w="med" len="med"/>
+                    </a:lnR>
+                    <a:lnT>
+                      <a:noFill/>
+                    </a:lnT>
+                    <a:lnB>
+                      <a:noFill/>
+                    </a:lnB>
+                    <a:solidFill>
+                      <a:srgbClr val="000000"/>
+                    </a:solidFill>
+                  </a:tcPr>
+                </a:tc>
+                <a:tc>
+                  <a:txBody>
+                    <a:bodyPr/>
+                    <a:lstStyle/>
+                    <a:p>
+                      <a:pPr algn="ctr" fontAlgn="ctr"/>
+                      <a:r>
+                        <a:rPr lang="es-ES_tradnl" sz="1200" b="0" i="0" u="none" strike="noStrike">
+                          <a:solidFill>
+                            <a:srgbClr val="FFFFFF"/>
+                          </a:solidFill>
+                          <a:effectLst/>
+                          <a:latin typeface="Cambria"/>
+                        </a:rPr>
+                        <a:t>1</a:t>
+                      </a:r>
+                    </a:p>
+                  </a:txBody>
+                  <a:tcPr marL="9921" marR="9921" marT="9921" marB="0" anchor="ctr">
+                    <a:lnL w="12700" cap="flat" cmpd="sng" algn="ctr">
+                      <a:solidFill>
+                        <a:srgbClr val="FFFFFF"/>
+                      </a:solidFill>
+                      <a:prstDash val="solid"/>
+                      <a:round/>
+                      <a:headEnd type="none" w="med" len="med"/>
+                      <a:tailEnd type="none" w="med" len="med"/>
+                    </a:lnL>
+                    <a:lnR w="12700" cap="flat" cmpd="sng" algn="ctr">
+                      <a:solidFill>
+                        <a:srgbClr val="FFFFFF"/>
+                      </a:solidFill>
+                      <a:prstDash val="solid"/>
+                      <a:round/>
+                      <a:headEnd type="none" w="med" len="med"/>
+                      <a:tailEnd type="none" w="med" len="med"/>
+                    </a:lnR>
+                    <a:lnT>
+                      <a:noFill/>
+                    </a:lnT>
+                    <a:lnB>
+                      <a:noFill/>
+                    </a:lnB>
+                    <a:solidFill>
+                      <a:srgbClr val="000000"/>
+                    </a:solidFill>
+                  </a:tcPr>
+                </a:tc>
+                <a:tc>
+                  <a:txBody>
+                    <a:bodyPr/>
+                    <a:lstStyle/>
+                    <a:p>
+                      <a:pPr algn="r" fontAlgn="ctr"/>
+                      <a:r>
+                        <a:rPr lang="es-ES_tradnl" sz="1200" b="0" i="0" u="none" strike="noStrike">
+                          <a:solidFill>
+                            <a:srgbClr val="FFFFFF"/>
+                          </a:solidFill>
+                          <a:effectLst/>
+                          <a:latin typeface="Cambria"/>
+                        </a:rPr>
+                        <a:t>32.95</a:t>
+                      </a:r>
+                    </a:p>
+                  </a:txBody>
+                  <a:tcPr marL="9921" marR="9921" marT="9921" marB="0" anchor="ctr">
+                    <a:lnL w="12700" cap="flat" cmpd="sng" algn="ctr">
+                      <a:solidFill>
+                        <a:srgbClr val="FFFFFF"/>
+                      </a:solidFill>
+                      <a:prstDash val="solid"/>
+                      <a:round/>
+                      <a:headEnd type="none" w="med" len="med"/>
+                      <a:tailEnd type="none" w="med" len="med"/>
+                    </a:lnL>
+                    <a:lnR>
+                      <a:noFill/>
+                    </a:lnR>
+                    <a:lnT>
+                      <a:noFill/>
+                    </a:lnT>
+                    <a:lnB>
+                      <a:noFill/>
+                    </a:lnB>
+                    <a:solidFill>
+                      <a:srgbClr val="000000"/>
+                    </a:solidFill>
+                  </a:tcPr>
+                </a:tc>
+                <a:tc>
+                  <a:txBody>
+                    <a:bodyPr/>
+                    <a:lstStyle/>
+                    <a:p>
+                      <a:pPr algn="l" fontAlgn="ctr"/>
+                      <a:r>
+                        <a:rPr lang="es-ES_tradnl" sz="1400" b="0" i="0" u="none" strike="noStrike">
+                          <a:solidFill>
+                            <a:srgbClr val="FFFFFF"/>
+                          </a:solidFill>
+                          <a:effectLst/>
+                          <a:latin typeface="Calibri"/>
+                        </a:rPr>
+                        <a:t>$</a:t>
+                      </a:r>
+                    </a:p>
+                  </a:txBody>
+                  <a:tcPr marL="9921" marR="9921" marT="9921" marB="0" anchor="ctr">
+                    <a:lnL>
+                      <a:noFill/>
+                    </a:lnL>
+                    <a:lnR>
+                      <a:noFill/>
+                    </a:lnR>
+                    <a:lnT>
+                      <a:noFill/>
+                    </a:lnT>
+                    <a:lnB>
+                      <a:noFill/>
+                    </a:lnB>
+                    <a:solidFill>
+                      <a:srgbClr val="000000"/>
+                    </a:solidFill>
+                  </a:tcPr>
+                </a:tc>
+              </a:tr>
+              <a:tr h="386261">
+                <a:tc>
+                  <a:txBody>
+                    <a:bodyPr/>
+                    <a:lstStyle/>
+                    <a:p>
+                      <a:pPr algn="l" fontAlgn="ctr"/>
+                      <a:r>
+                        <a:rPr lang="es-ES_tradnl" sz="1200" b="0" i="0" u="none" strike="noStrike">
+                          <a:solidFill>
+                            <a:srgbClr val="FFFFFF"/>
+                          </a:solidFill>
+                          <a:effectLst/>
+                          <a:latin typeface="Cambria"/>
+                        </a:rPr>
+                        <a:t>NXT Color Senosr </a:t>
+                      </a:r>
+                    </a:p>
+                  </a:txBody>
+                  <a:tcPr marL="9921" marR="9921" marT="9921" marB="0" anchor="ctr">
+                    <a:lnL>
+                      <a:noFill/>
+                    </a:lnL>
+                    <a:lnR w="12700" cap="flat" cmpd="sng" algn="ctr">
+                      <a:solidFill>
+                        <a:srgbClr val="FFFFFF"/>
+                      </a:solidFill>
+                      <a:prstDash val="solid"/>
+                      <a:round/>
+                      <a:headEnd type="none" w="med" len="med"/>
+                      <a:tailEnd type="none" w="med" len="med"/>
+                    </a:lnR>
+                    <a:lnT>
+                      <a:noFill/>
+                    </a:lnT>
+                    <a:lnB>
+                      <a:noFill/>
+                    </a:lnB>
+                    <a:solidFill>
+                      <a:srgbClr val="000000"/>
+                    </a:solidFill>
+                  </a:tcPr>
+                </a:tc>
+                <a:tc>
+                  <a:txBody>
+                    <a:bodyPr/>
+                    <a:lstStyle/>
+                    <a:p>
+                      <a:pPr algn="ctr" fontAlgn="ctr"/>
+                      <a:r>
+                        <a:rPr lang="es-ES_tradnl" sz="1200" b="0" i="0" u="none" strike="noStrike">
+                          <a:solidFill>
+                            <a:srgbClr val="FFFFFF"/>
+                          </a:solidFill>
+                          <a:effectLst/>
+                          <a:latin typeface="Cambria"/>
+                        </a:rPr>
+                        <a:t>3</a:t>
+                      </a:r>
+                    </a:p>
+                  </a:txBody>
+                  <a:tcPr marL="9921" marR="9921" marT="9921" marB="0" anchor="ctr">
+                    <a:lnL w="12700" cap="flat" cmpd="sng" algn="ctr">
+                      <a:solidFill>
+                        <a:srgbClr val="FFFFFF"/>
+                      </a:solidFill>
+                      <a:prstDash val="solid"/>
+                      <a:round/>
+                      <a:headEnd type="none" w="med" len="med"/>
+                      <a:tailEnd type="none" w="med" len="med"/>
+                    </a:lnL>
+                    <a:lnR w="12700" cap="flat" cmpd="sng" algn="ctr">
+                      <a:solidFill>
+                        <a:srgbClr val="FFFFFF"/>
+                      </a:solidFill>
+                      <a:prstDash val="solid"/>
+                      <a:round/>
+                      <a:headEnd type="none" w="med" len="med"/>
+                      <a:tailEnd type="none" w="med" len="med"/>
+                    </a:lnR>
+                    <a:lnT>
+                      <a:noFill/>
+                    </a:lnT>
+                    <a:lnB>
+                      <a:noFill/>
+                    </a:lnB>
+                    <a:solidFill>
+                      <a:srgbClr val="000000"/>
+                    </a:solidFill>
+                  </a:tcPr>
+                </a:tc>
+                <a:tc>
+                  <a:txBody>
+                    <a:bodyPr/>
+                    <a:lstStyle/>
+                    <a:p>
+                      <a:pPr algn="r" fontAlgn="ctr"/>
+                      <a:r>
+                        <a:rPr lang="es-ES_tradnl" sz="1200" b="0" i="0" u="none" strike="noStrike">
+                          <a:solidFill>
+                            <a:srgbClr val="FFFFFF"/>
+                          </a:solidFill>
+                          <a:effectLst/>
+                          <a:latin typeface="Cambria"/>
+                        </a:rPr>
+                        <a:t>17.95</a:t>
+                      </a:r>
+                    </a:p>
+                  </a:txBody>
+                  <a:tcPr marL="9921" marR="9921" marT="9921" marB="0" anchor="ctr">
+                    <a:lnL w="12700" cap="flat" cmpd="sng" algn="ctr">
+                      <a:solidFill>
+                        <a:srgbClr val="FFFFFF"/>
+                      </a:solidFill>
+                      <a:prstDash val="solid"/>
+                      <a:round/>
+                      <a:headEnd type="none" w="med" len="med"/>
+                      <a:tailEnd type="none" w="med" len="med"/>
+                    </a:lnL>
+                    <a:lnR>
+                      <a:noFill/>
+                    </a:lnR>
+                    <a:lnT>
+                      <a:noFill/>
+                    </a:lnT>
+                    <a:lnB>
+                      <a:noFill/>
+                    </a:lnB>
+                    <a:solidFill>
+                      <a:srgbClr val="000000"/>
+                    </a:solidFill>
+                  </a:tcPr>
+                </a:tc>
+                <a:tc>
+                  <a:txBody>
+                    <a:bodyPr/>
+                    <a:lstStyle/>
+                    <a:p>
+                      <a:pPr algn="l" fontAlgn="ctr"/>
+                      <a:r>
+                        <a:rPr lang="es-ES_tradnl" sz="1400" b="0" i="0" u="none" strike="noStrike">
+                          <a:solidFill>
+                            <a:srgbClr val="FFFFFF"/>
+                          </a:solidFill>
+                          <a:effectLst/>
+                          <a:latin typeface="Calibri"/>
+                        </a:rPr>
+                        <a:t>$</a:t>
+                      </a:r>
+                    </a:p>
+                  </a:txBody>
+                  <a:tcPr marL="9921" marR="9921" marT="9921" marB="0" anchor="ctr">
+                    <a:lnL>
+                      <a:noFill/>
+                    </a:lnL>
+                    <a:lnR>
+                      <a:noFill/>
+                    </a:lnR>
+                    <a:lnT>
+                      <a:noFill/>
+                    </a:lnT>
+                    <a:lnB>
+                      <a:noFill/>
+                    </a:lnB>
+                    <a:solidFill>
+                      <a:srgbClr val="000000"/>
+                    </a:solidFill>
+                  </a:tcPr>
+                </a:tc>
+              </a:tr>
+              <a:tr h="222100">
+                <a:tc>
+                  <a:txBody>
+                    <a:bodyPr/>
+                    <a:lstStyle/>
+                    <a:p>
+                      <a:pPr algn="l" fontAlgn="ctr"/>
+                      <a:r>
+                        <a:rPr lang="es-ES_tradnl" sz="1200" b="0" i="0" u="none" strike="noStrike">
+                          <a:solidFill>
+                            <a:srgbClr val="FFFFFF"/>
+                          </a:solidFill>
+                          <a:effectLst/>
+                          <a:latin typeface="Cambria"/>
+                        </a:rPr>
+                        <a:t>NXT Motor </a:t>
+                      </a:r>
+                    </a:p>
+                  </a:txBody>
+                  <a:tcPr marL="9921" marR="9921" marT="9921" marB="0" anchor="ctr">
+                    <a:lnL>
+                      <a:noFill/>
+                    </a:lnL>
+                    <a:lnR w="12700" cap="flat" cmpd="sng" algn="ctr">
+                      <a:solidFill>
+                        <a:srgbClr val="FFFFFF"/>
+                      </a:solidFill>
+                      <a:prstDash val="solid"/>
+                      <a:round/>
+                      <a:headEnd type="none" w="med" len="med"/>
+                      <a:tailEnd type="none" w="med" len="med"/>
+                    </a:lnR>
+                    <a:lnT>
+                      <a:noFill/>
+                    </a:lnT>
+                    <a:lnB>
+                      <a:noFill/>
+                    </a:lnB>
+                    <a:solidFill>
+                      <a:srgbClr val="000000"/>
+                    </a:solidFill>
+                  </a:tcPr>
+                </a:tc>
+                <a:tc>
+                  <a:txBody>
+                    <a:bodyPr/>
+                    <a:lstStyle/>
+                    <a:p>
+                      <a:pPr algn="ctr" fontAlgn="ctr"/>
+                      <a:r>
+                        <a:rPr lang="es-ES_tradnl" sz="1200" b="0" i="0" u="none" strike="noStrike">
+                          <a:solidFill>
+                            <a:srgbClr val="FFFFFF"/>
+                          </a:solidFill>
+                          <a:effectLst/>
+                          <a:latin typeface="Cambria"/>
+                        </a:rPr>
+                        <a:t>2</a:t>
+                      </a:r>
+                    </a:p>
+                  </a:txBody>
+                  <a:tcPr marL="9921" marR="9921" marT="9921" marB="0" anchor="ctr">
+                    <a:lnL w="12700" cap="flat" cmpd="sng" algn="ctr">
+                      <a:solidFill>
+                        <a:srgbClr val="FFFFFF"/>
+                      </a:solidFill>
+                      <a:prstDash val="solid"/>
+                      <a:round/>
+                      <a:headEnd type="none" w="med" len="med"/>
+                      <a:tailEnd type="none" w="med" len="med"/>
+                    </a:lnL>
+                    <a:lnR w="12700" cap="flat" cmpd="sng" algn="ctr">
+                      <a:solidFill>
+                        <a:srgbClr val="FFFFFF"/>
+                      </a:solidFill>
+                      <a:prstDash val="solid"/>
+                      <a:round/>
+                      <a:headEnd type="none" w="med" len="med"/>
+                      <a:tailEnd type="none" w="med" len="med"/>
+                    </a:lnR>
+                    <a:lnT>
+                      <a:noFill/>
+                    </a:lnT>
+                    <a:lnB>
+                      <a:noFill/>
+                    </a:lnB>
+                    <a:solidFill>
+                      <a:srgbClr val="000000"/>
+                    </a:solidFill>
+                  </a:tcPr>
+                </a:tc>
+                <a:tc>
+                  <a:txBody>
+                    <a:bodyPr/>
+                    <a:lstStyle/>
+                    <a:p>
+                      <a:pPr algn="r" fontAlgn="ctr"/>
+                      <a:r>
+                        <a:rPr lang="es-ES_tradnl" sz="1200" b="0" i="0" u="none" strike="noStrike">
+                          <a:solidFill>
+                            <a:srgbClr val="FFFFFF"/>
+                          </a:solidFill>
+                          <a:effectLst/>
+                          <a:latin typeface="Cambria"/>
+                        </a:rPr>
+                        <a:t>24.95</a:t>
+                      </a:r>
+                    </a:p>
+                  </a:txBody>
+                  <a:tcPr marL="9921" marR="9921" marT="9921" marB="0" anchor="ctr">
+                    <a:lnL w="12700" cap="flat" cmpd="sng" algn="ctr">
+                      <a:solidFill>
+                        <a:srgbClr val="FFFFFF"/>
+                      </a:solidFill>
+                      <a:prstDash val="solid"/>
+                      <a:round/>
+                      <a:headEnd type="none" w="med" len="med"/>
+                      <a:tailEnd type="none" w="med" len="med"/>
+                    </a:lnL>
+                    <a:lnR>
+                      <a:noFill/>
+                    </a:lnR>
+                    <a:lnT>
+                      <a:noFill/>
+                    </a:lnT>
+                    <a:lnB>
+                      <a:noFill/>
+                    </a:lnB>
+                    <a:solidFill>
+                      <a:srgbClr val="000000"/>
+                    </a:solidFill>
+                  </a:tcPr>
+                </a:tc>
+                <a:tc>
+                  <a:txBody>
+                    <a:bodyPr/>
+                    <a:lstStyle/>
+                    <a:p>
+                      <a:pPr algn="l" fontAlgn="ctr"/>
+                      <a:r>
+                        <a:rPr lang="es-ES_tradnl" sz="1400" b="0" i="0" u="none" strike="noStrike">
+                          <a:solidFill>
+                            <a:srgbClr val="FFFFFF"/>
+                          </a:solidFill>
+                          <a:effectLst/>
+                          <a:latin typeface="Calibri"/>
+                        </a:rPr>
+                        <a:t>$</a:t>
+                      </a:r>
+                    </a:p>
+                  </a:txBody>
+                  <a:tcPr marL="9921" marR="9921" marT="9921" marB="0" anchor="ctr">
+                    <a:lnL>
+                      <a:noFill/>
+                    </a:lnL>
+                    <a:lnR>
+                      <a:noFill/>
+                    </a:lnR>
+                    <a:lnT>
+                      <a:noFill/>
+                    </a:lnT>
+                    <a:lnB>
+                      <a:noFill/>
+                    </a:lnB>
+                    <a:solidFill>
+                      <a:srgbClr val="000000"/>
+                    </a:solidFill>
+                  </a:tcPr>
+                </a:tc>
+              </a:tr>
+              <a:tr h="386261">
+                <a:tc>
+                  <a:txBody>
+                    <a:bodyPr/>
+                    <a:lstStyle/>
+                    <a:p>
+                      <a:pPr algn="l" fontAlgn="ctr"/>
+                      <a:r>
+                        <a:rPr lang="es-ES_tradnl" sz="1200" b="0" i="0" u="none" strike="noStrike">
+                          <a:solidFill>
+                            <a:srgbClr val="FFFFFF"/>
+                          </a:solidFill>
+                          <a:effectLst/>
+                          <a:latin typeface="Cambria"/>
+                        </a:rPr>
+                        <a:t>Notebook Asus 1005HA</a:t>
+                      </a:r>
+                    </a:p>
+                  </a:txBody>
+                  <a:tcPr marL="9921" marR="9921" marT="9921" marB="0" anchor="ctr">
+                    <a:lnL>
+                      <a:noFill/>
+                    </a:lnL>
+                    <a:lnR w="12700" cap="flat" cmpd="sng" algn="ctr">
+                      <a:solidFill>
+                        <a:srgbClr val="FFFFFF"/>
+                      </a:solidFill>
+                      <a:prstDash val="solid"/>
+                      <a:round/>
+                      <a:headEnd type="none" w="med" len="med"/>
+                      <a:tailEnd type="none" w="med" len="med"/>
+                    </a:lnR>
+                    <a:lnT>
+                      <a:noFill/>
+                    </a:lnT>
+                    <a:lnB>
+                      <a:noFill/>
+                    </a:lnB>
+                    <a:solidFill>
+                      <a:srgbClr val="000000"/>
+                    </a:solidFill>
+                  </a:tcPr>
+                </a:tc>
+                <a:tc>
+                  <a:txBody>
+                    <a:bodyPr/>
+                    <a:lstStyle/>
+                    <a:p>
+                      <a:pPr algn="ctr" fontAlgn="ctr"/>
+                      <a:r>
+                        <a:rPr lang="es-ES_tradnl" sz="1200" b="0" i="0" u="none" strike="noStrike" dirty="0">
+                          <a:solidFill>
+                            <a:srgbClr val="FFFFFF"/>
+                          </a:solidFill>
+                          <a:effectLst/>
+                          <a:latin typeface="Cambria"/>
+                        </a:rPr>
+                        <a:t>1</a:t>
+                      </a:r>
+                    </a:p>
+                  </a:txBody>
+                  <a:tcPr marL="9921" marR="9921" marT="9921" marB="0" anchor="ctr">
+                    <a:lnL w="12700" cap="flat" cmpd="sng" algn="ctr">
+                      <a:solidFill>
+                        <a:srgbClr val="FFFFFF"/>
+                      </a:solidFill>
+                      <a:prstDash val="solid"/>
+                      <a:round/>
+                      <a:headEnd type="none" w="med" len="med"/>
+                      <a:tailEnd type="none" w="med" len="med"/>
+                    </a:lnL>
+                    <a:lnR w="12700" cap="flat" cmpd="sng" algn="ctr">
+                      <a:solidFill>
+                        <a:srgbClr val="FFFFFF"/>
+                      </a:solidFill>
+                      <a:prstDash val="solid"/>
+                      <a:round/>
+                      <a:headEnd type="none" w="med" len="med"/>
+                      <a:tailEnd type="none" w="med" len="med"/>
+                    </a:lnR>
+                    <a:lnT>
+                      <a:noFill/>
+                    </a:lnT>
+                    <a:lnB>
+                      <a:noFill/>
+                    </a:lnB>
+                    <a:solidFill>
+                      <a:srgbClr val="000000"/>
+                    </a:solidFill>
+                  </a:tcPr>
+                </a:tc>
+                <a:tc>
+                  <a:txBody>
+                    <a:bodyPr/>
+                    <a:lstStyle/>
+                    <a:p>
+                      <a:pPr algn="r" fontAlgn="ctr"/>
+                      <a:r>
+                        <a:rPr lang="es-ES_tradnl" sz="1200" b="0" i="0" u="none" strike="noStrike">
+                          <a:solidFill>
+                            <a:srgbClr val="FFFFFF"/>
+                          </a:solidFill>
+                          <a:effectLst/>
+                          <a:latin typeface="Cambria"/>
+                        </a:rPr>
+                        <a:t>250 aprox</a:t>
+                      </a:r>
+                    </a:p>
+                  </a:txBody>
+                  <a:tcPr marL="9921" marR="9921" marT="9921" marB="0" anchor="ctr">
+                    <a:lnL w="12700" cap="flat" cmpd="sng" algn="ctr">
+                      <a:solidFill>
+                        <a:srgbClr val="FFFFFF"/>
+                      </a:solidFill>
+                      <a:prstDash val="solid"/>
+                      <a:round/>
+                      <a:headEnd type="none" w="med" len="med"/>
+                      <a:tailEnd type="none" w="med" len="med"/>
+                    </a:lnL>
+                    <a:lnR>
+                      <a:noFill/>
+                    </a:lnR>
+                    <a:lnT>
+                      <a:noFill/>
+                    </a:lnT>
+                    <a:lnB>
+                      <a:noFill/>
+                    </a:lnB>
+                    <a:solidFill>
+                      <a:srgbClr val="000000"/>
+                    </a:solidFill>
+                  </a:tcPr>
+                </a:tc>
+                <a:tc>
+                  <a:txBody>
+                    <a:bodyPr/>
+                    <a:lstStyle/>
+                    <a:p>
+                      <a:pPr algn="l" fontAlgn="ctr"/>
+                      <a:r>
+                        <a:rPr lang="es-ES_tradnl" sz="1400" b="0" i="0" u="none" strike="noStrike">
+                          <a:solidFill>
+                            <a:srgbClr val="FFFFFF"/>
+                          </a:solidFill>
+                          <a:effectLst/>
+                          <a:latin typeface="Calibri"/>
+                        </a:rPr>
+                        <a:t>$</a:t>
+                      </a:r>
+                    </a:p>
+                  </a:txBody>
+                  <a:tcPr marL="9921" marR="9921" marT="9921" marB="0" anchor="ctr">
+                    <a:lnL>
+                      <a:noFill/>
+                    </a:lnL>
+                    <a:lnR>
+                      <a:noFill/>
+                    </a:lnR>
+                    <a:lnT>
+                      <a:noFill/>
+                    </a:lnT>
+                    <a:lnB>
+                      <a:noFill/>
+                    </a:lnB>
+                    <a:solidFill>
+                      <a:srgbClr val="000000"/>
+                    </a:solidFill>
+                  </a:tcPr>
+                </a:tc>
+              </a:tr>
+              <a:tr h="386261">
+                <a:tc>
+                  <a:txBody>
+                    <a:bodyPr/>
+                    <a:lstStyle/>
+                    <a:p>
+                      <a:pPr algn="l" fontAlgn="ctr"/>
+                      <a:r>
+                        <a:rPr lang="es-ES_tradnl" sz="1200" b="0" i="0" u="none" strike="noStrike">
+                          <a:solidFill>
+                            <a:srgbClr val="FFFFFF"/>
+                          </a:solidFill>
+                          <a:effectLst/>
+                          <a:latin typeface="Cambria"/>
+                        </a:rPr>
+                        <a:t>Bluetooth Headphones</a:t>
+                      </a:r>
+                    </a:p>
+                  </a:txBody>
+                  <a:tcPr marL="9921" marR="9921" marT="9921" marB="0" anchor="ctr">
+                    <a:lnL>
+                      <a:noFill/>
+                    </a:lnL>
+                    <a:lnR w="12700" cap="flat" cmpd="sng" algn="ctr">
+                      <a:solidFill>
+                        <a:srgbClr val="FFFFFF"/>
+                      </a:solidFill>
+                      <a:prstDash val="solid"/>
+                      <a:round/>
+                      <a:headEnd type="none" w="med" len="med"/>
+                      <a:tailEnd type="none" w="med" len="med"/>
+                    </a:lnR>
+                    <a:lnT>
+                      <a:noFill/>
+                    </a:lnT>
+                    <a:lnB>
+                      <a:noFill/>
+                    </a:lnB>
+                    <a:solidFill>
+                      <a:srgbClr val="000000"/>
+                    </a:solidFill>
+                  </a:tcPr>
+                </a:tc>
+                <a:tc>
+                  <a:txBody>
+                    <a:bodyPr/>
+                    <a:lstStyle/>
+                    <a:p>
+                      <a:pPr algn="ctr" fontAlgn="ctr"/>
+                      <a:r>
+                        <a:rPr lang="es-ES_tradnl" sz="1200" b="0" i="0" u="none" strike="noStrike">
+                          <a:solidFill>
+                            <a:srgbClr val="FFFFFF"/>
+                          </a:solidFill>
+                          <a:effectLst/>
+                          <a:latin typeface="Cambria"/>
+                        </a:rPr>
+                        <a:t>1</a:t>
+                      </a:r>
+                    </a:p>
+                  </a:txBody>
+                  <a:tcPr marL="9921" marR="9921" marT="9921" marB="0" anchor="ctr">
+                    <a:lnL w="12700" cap="flat" cmpd="sng" algn="ctr">
+                      <a:solidFill>
+                        <a:srgbClr val="FFFFFF"/>
+                      </a:solidFill>
+                      <a:prstDash val="solid"/>
+                      <a:round/>
+                      <a:headEnd type="none" w="med" len="med"/>
+                      <a:tailEnd type="none" w="med" len="med"/>
+                    </a:lnL>
+                    <a:lnR w="12700" cap="flat" cmpd="sng" algn="ctr">
+                      <a:solidFill>
+                        <a:srgbClr val="FFFFFF"/>
+                      </a:solidFill>
+                      <a:prstDash val="solid"/>
+                      <a:round/>
+                      <a:headEnd type="none" w="med" len="med"/>
+                      <a:tailEnd type="none" w="med" len="med"/>
+                    </a:lnR>
+                    <a:lnT>
+                      <a:noFill/>
+                    </a:lnT>
+                    <a:lnB>
+                      <a:noFill/>
+                    </a:lnB>
+                    <a:solidFill>
+                      <a:srgbClr val="000000"/>
+                    </a:solidFill>
+                  </a:tcPr>
+                </a:tc>
+                <a:tc>
+                  <a:txBody>
+                    <a:bodyPr/>
+                    <a:lstStyle/>
+                    <a:p>
+                      <a:pPr algn="r" fontAlgn="ctr"/>
+                      <a:r>
+                        <a:rPr lang="es-ES_tradnl" sz="1200" b="0" i="0" u="none" strike="noStrike">
+                          <a:solidFill>
+                            <a:srgbClr val="FFFFFF"/>
+                          </a:solidFill>
+                          <a:effectLst/>
+                          <a:latin typeface="Cambria"/>
+                        </a:rPr>
+                        <a:t>10</a:t>
+                      </a:r>
+                    </a:p>
+                  </a:txBody>
+                  <a:tcPr marL="9921" marR="9921" marT="9921" marB="0" anchor="ctr">
+                    <a:lnL w="12700" cap="flat" cmpd="sng" algn="ctr">
+                      <a:solidFill>
+                        <a:srgbClr val="FFFFFF"/>
+                      </a:solidFill>
+                      <a:prstDash val="solid"/>
+                      <a:round/>
+                      <a:headEnd type="none" w="med" len="med"/>
+                      <a:tailEnd type="none" w="med" len="med"/>
+                    </a:lnL>
+                    <a:lnR>
+                      <a:noFill/>
+                    </a:lnR>
+                    <a:lnT>
+                      <a:noFill/>
+                    </a:lnT>
+                    <a:lnB>
+                      <a:noFill/>
+                    </a:lnB>
+                    <a:solidFill>
+                      <a:srgbClr val="000000"/>
+                    </a:solidFill>
+                  </a:tcPr>
+                </a:tc>
+                <a:tc>
+                  <a:txBody>
+                    <a:bodyPr/>
+                    <a:lstStyle/>
+                    <a:p>
+                      <a:pPr algn="l" fontAlgn="ctr"/>
+                      <a:r>
+                        <a:rPr lang="es-ES_tradnl" sz="1400" b="0" i="0" u="none" strike="noStrike">
+                          <a:solidFill>
+                            <a:srgbClr val="FFFFFF"/>
+                          </a:solidFill>
+                          <a:effectLst/>
+                          <a:latin typeface="Calibri"/>
+                        </a:rPr>
+                        <a:t>$</a:t>
+                      </a:r>
+                    </a:p>
+                  </a:txBody>
+                  <a:tcPr marL="9921" marR="9921" marT="9921" marB="0" anchor="ctr">
+                    <a:lnL>
+                      <a:noFill/>
+                    </a:lnL>
+                    <a:lnR>
+                      <a:noFill/>
+                    </a:lnR>
+                    <a:lnT>
+                      <a:noFill/>
+                    </a:lnT>
+                    <a:lnB>
+                      <a:noFill/>
+                    </a:lnB>
+                    <a:solidFill>
+                      <a:srgbClr val="000000"/>
+                    </a:solidFill>
+                  </a:tcPr>
+                </a:tc>
+              </a:tr>
+              <a:tr h="395917">
+                <a:tc>
+                  <a:txBody>
+                    <a:bodyPr/>
+                    <a:lstStyle/>
+                    <a:p>
+                      <a:pPr algn="l" fontAlgn="ctr"/>
+                      <a:r>
+                        <a:rPr lang="es-ES_tradnl" sz="1200" b="0" i="0" u="none" strike="noStrike">
+                          <a:solidFill>
+                            <a:srgbClr val="FFFFFF"/>
+                          </a:solidFill>
+                          <a:effectLst/>
+                          <a:latin typeface="Cambria"/>
+                        </a:rPr>
+                        <a:t>USB Bluetooth Device</a:t>
+                      </a:r>
+                    </a:p>
+                  </a:txBody>
+                  <a:tcPr marL="9921" marR="9921" marT="9921" marB="0" anchor="ctr">
+                    <a:lnL>
+                      <a:noFill/>
+                    </a:lnL>
+                    <a:lnR w="12700" cap="flat" cmpd="sng" algn="ctr">
+                      <a:solidFill>
+                        <a:srgbClr val="FFFFFF"/>
+                      </a:solidFill>
+                      <a:prstDash val="solid"/>
+                      <a:round/>
+                      <a:headEnd type="none" w="med" len="med"/>
+                      <a:tailEnd type="none" w="med" len="med"/>
+                    </a:lnR>
+                    <a:lnT>
+                      <a:noFill/>
+                    </a:lnT>
+                    <a:lnB>
+                      <a:noFill/>
+                    </a:lnB>
+                    <a:solidFill>
+                      <a:srgbClr val="000000"/>
+                    </a:solidFill>
+                  </a:tcPr>
+                </a:tc>
+                <a:tc>
+                  <a:txBody>
+                    <a:bodyPr/>
+                    <a:lstStyle/>
+                    <a:p>
+                      <a:pPr algn="ctr" fontAlgn="ctr"/>
+                      <a:r>
+                        <a:rPr lang="es-ES_tradnl" sz="1200" b="0" i="0" u="none" strike="noStrike">
+                          <a:solidFill>
+                            <a:srgbClr val="FFFFFF"/>
+                          </a:solidFill>
+                          <a:effectLst/>
+                          <a:latin typeface="Cambria"/>
+                        </a:rPr>
+                        <a:t>1</a:t>
+                      </a:r>
+                    </a:p>
+                  </a:txBody>
+                  <a:tcPr marL="9921" marR="9921" marT="9921" marB="0" anchor="ctr">
+                    <a:lnL w="12700" cap="flat" cmpd="sng" algn="ctr">
+                      <a:solidFill>
+                        <a:srgbClr val="FFFFFF"/>
+                      </a:solidFill>
+                      <a:prstDash val="solid"/>
+                      <a:round/>
+                      <a:headEnd type="none" w="med" len="med"/>
+                      <a:tailEnd type="none" w="med" len="med"/>
+                    </a:lnL>
+                    <a:lnR w="12700" cap="flat" cmpd="sng" algn="ctr">
+                      <a:solidFill>
+                        <a:srgbClr val="FFFFFF"/>
+                      </a:solidFill>
+                      <a:prstDash val="solid"/>
+                      <a:round/>
+                      <a:headEnd type="none" w="med" len="med"/>
+                      <a:tailEnd type="none" w="med" len="med"/>
+                    </a:lnR>
+                    <a:lnT>
+                      <a:noFill/>
+                    </a:lnT>
+                    <a:lnB>
+                      <a:noFill/>
+                    </a:lnB>
+                    <a:solidFill>
+                      <a:srgbClr val="000000"/>
+                    </a:solidFill>
+                  </a:tcPr>
+                </a:tc>
+                <a:tc>
+                  <a:txBody>
+                    <a:bodyPr/>
+                    <a:lstStyle/>
+                    <a:p>
+                      <a:pPr algn="r" fontAlgn="ctr"/>
+                      <a:r>
+                        <a:rPr lang="es-ES_tradnl" sz="1200" b="0" i="0" u="none" strike="noStrike">
+                          <a:solidFill>
+                            <a:srgbClr val="FFFFFF"/>
+                          </a:solidFill>
+                          <a:effectLst/>
+                          <a:latin typeface="Cambria"/>
+                        </a:rPr>
+                        <a:t>5</a:t>
+                      </a:r>
+                    </a:p>
+                  </a:txBody>
+                  <a:tcPr marL="9921" marR="9921" marT="9921" marB="0" anchor="ctr">
+                    <a:lnL w="12700" cap="flat" cmpd="sng" algn="ctr">
+                      <a:solidFill>
+                        <a:srgbClr val="FFFFFF"/>
+                      </a:solidFill>
+                      <a:prstDash val="solid"/>
+                      <a:round/>
+                      <a:headEnd type="none" w="med" len="med"/>
+                      <a:tailEnd type="none" w="med" len="med"/>
+                    </a:lnL>
+                    <a:lnR>
+                      <a:noFill/>
+                    </a:lnR>
+                    <a:lnT>
+                      <a:noFill/>
+                    </a:lnT>
+                    <a:lnB w="25400" cap="flat" cmpd="dbl" algn="ctr">
+                      <a:solidFill>
+                        <a:srgbClr val="FFFFFF"/>
+                      </a:solidFill>
+                      <a:prstDash val="solid"/>
+                      <a:round/>
+                      <a:headEnd type="none" w="med" len="med"/>
+                      <a:tailEnd type="none" w="med" len="med"/>
+                    </a:lnB>
+                    <a:solidFill>
+                      <a:srgbClr val="000000"/>
+                    </a:solidFill>
+                  </a:tcPr>
+                </a:tc>
+                <a:tc>
+                  <a:txBody>
+                    <a:bodyPr/>
+                    <a:lstStyle/>
+                    <a:p>
+                      <a:pPr algn="l" fontAlgn="ctr"/>
+                      <a:r>
+                        <a:rPr lang="es-ES_tradnl" sz="1400" b="0" i="0" u="none" strike="noStrike">
+                          <a:solidFill>
+                            <a:srgbClr val="FFFFFF"/>
+                          </a:solidFill>
+                          <a:effectLst/>
+                          <a:latin typeface="Calibri"/>
+                        </a:rPr>
+                        <a:t>$</a:t>
+                      </a:r>
+                    </a:p>
+                  </a:txBody>
+                  <a:tcPr marL="9921" marR="9921" marT="9921" marB="0" anchor="ctr">
+                    <a:lnL>
+                      <a:noFill/>
+                    </a:lnL>
+                    <a:lnR>
+                      <a:noFill/>
+                    </a:lnR>
+                    <a:lnT>
+                      <a:noFill/>
+                    </a:lnT>
+                    <a:lnB>
+                      <a:noFill/>
+                    </a:lnB>
+                    <a:solidFill>
+                      <a:srgbClr val="000000"/>
+                    </a:solidFill>
+                  </a:tcPr>
+                </a:tc>
+              </a:tr>
+              <a:tr h="231757">
+                <a:tc>
+                  <a:txBody>
+                    <a:bodyPr/>
+                    <a:lstStyle/>
+                    <a:p>
+                      <a:pPr algn="l" fontAlgn="b"/>
+                      <a:r>
+                        <a:rPr lang="es-ES_tradnl" sz="1200" b="0" i="0" u="none" strike="noStrike">
+                          <a:solidFill>
+                            <a:srgbClr val="FFFFFF"/>
+                          </a:solidFill>
+                          <a:effectLst/>
+                          <a:latin typeface="Times New Roman"/>
+                        </a:rPr>
+                        <a:t> </a:t>
+                      </a:r>
+                    </a:p>
+                  </a:txBody>
+                  <a:tcPr marL="9921" marR="9921" marT="9921" marB="0" anchor="b">
+                    <a:lnL>
+                      <a:noFill/>
+                    </a:lnL>
+                    <a:lnR>
+                      <a:noFill/>
+                    </a:lnR>
+                    <a:lnT>
+                      <a:noFill/>
+                    </a:lnT>
+                    <a:lnB>
+                      <a:noFill/>
+                    </a:lnB>
+                    <a:solidFill>
+                      <a:srgbClr val="000000"/>
+                    </a:solidFill>
+                  </a:tcPr>
+                </a:tc>
+                <a:tc>
+                  <a:txBody>
+                    <a:bodyPr/>
+                    <a:lstStyle/>
+                    <a:p>
+                      <a:pPr algn="l" fontAlgn="ctr"/>
+                      <a:r>
+                        <a:rPr lang="es-ES_tradnl" sz="1200" b="0" i="0" u="none" strike="noStrike">
+                          <a:solidFill>
+                            <a:srgbClr val="FFFFFF"/>
+                          </a:solidFill>
+                          <a:effectLst/>
+                          <a:latin typeface="Calibri"/>
+                        </a:rPr>
+                        <a:t>TOTAL:</a:t>
+                      </a:r>
+                    </a:p>
+                  </a:txBody>
+                  <a:tcPr marL="9921" marR="9921" marT="9921" marB="0" anchor="ctr">
+                    <a:lnL>
+                      <a:noFill/>
+                    </a:lnL>
+                    <a:lnR>
+                      <a:noFill/>
+                    </a:lnR>
+                    <a:lnT>
+                      <a:noFill/>
+                    </a:lnT>
+                    <a:lnB>
+                      <a:noFill/>
+                    </a:lnB>
+                    <a:solidFill>
+                      <a:srgbClr val="000000"/>
+                    </a:solidFill>
+                  </a:tcPr>
+                </a:tc>
+                <a:tc>
+                  <a:txBody>
+                    <a:bodyPr/>
+                    <a:lstStyle/>
+                    <a:p>
+                      <a:pPr algn="r" fontAlgn="b"/>
+                      <a:r>
+                        <a:rPr lang="es-ES_tradnl" sz="1200" b="0" i="0" u="none" strike="noStrike">
+                          <a:solidFill>
+                            <a:srgbClr val="FFFFFF"/>
+                          </a:solidFill>
+                          <a:effectLst/>
+                          <a:latin typeface="Calibri"/>
+                        </a:rPr>
+                        <a:t>560</a:t>
+                      </a:r>
+                    </a:p>
+                  </a:txBody>
+                  <a:tcPr marL="9921" marR="9921" marT="9921" marB="0" anchor="b">
+                    <a:lnL>
+                      <a:noFill/>
+                    </a:lnL>
+                    <a:lnR>
+                      <a:noFill/>
+                    </a:lnR>
+                    <a:lnT w="25400" cap="flat" cmpd="dbl" algn="ctr">
+                      <a:solidFill>
+                        <a:srgbClr val="FFFFFF"/>
+                      </a:solidFill>
+                      <a:prstDash val="solid"/>
+                      <a:round/>
+                      <a:headEnd type="none" w="med" len="med"/>
+                      <a:tailEnd type="none" w="med" len="med"/>
+                    </a:lnT>
+                    <a:lnB>
+                      <a:noFill/>
+                    </a:lnB>
+                    <a:solidFill>
+                      <a:srgbClr val="000000"/>
+                    </a:solidFill>
+                  </a:tcPr>
+                </a:tc>
+                <a:tc>
+                  <a:txBody>
+                    <a:bodyPr/>
+                    <a:lstStyle/>
+                    <a:p>
+                      <a:pPr algn="l" fontAlgn="ctr"/>
+                      <a:r>
+                        <a:rPr lang="es-ES_tradnl" sz="1400" b="0" i="0" u="none" strike="noStrike">
+                          <a:solidFill>
+                            <a:srgbClr val="FFFFFF"/>
+                          </a:solidFill>
+                          <a:effectLst/>
+                          <a:latin typeface="Calibri"/>
+                        </a:rPr>
+                        <a:t>$</a:t>
+                      </a:r>
+                    </a:p>
+                  </a:txBody>
+                  <a:tcPr marL="9921" marR="9921" marT="9921" marB="0" anchor="ctr">
+                    <a:lnL>
+                      <a:noFill/>
+                    </a:lnL>
+                    <a:lnR>
+                      <a:noFill/>
+                    </a:lnR>
+                    <a:lnT>
+                      <a:noFill/>
+                    </a:lnT>
+                    <a:lnB>
+                      <a:noFill/>
+                    </a:lnB>
+                    <a:solidFill>
+                      <a:srgbClr val="000000"/>
+                    </a:solidFill>
+                  </a:tcPr>
+                </a:tc>
+              </a:tr>
+              <a:tr h="202787">
+                <a:tc>
+                  <a:txBody>
+                    <a:bodyPr/>
+                    <a:lstStyle/>
+                    <a:p>
+                      <a:pPr algn="ctr" fontAlgn="ctr"/>
+                      <a:r>
+                        <a:rPr lang="es-ES_tradnl" sz="1200" b="1" i="0" u="none" strike="noStrike">
+                          <a:solidFill>
+                            <a:srgbClr val="FFFFFF"/>
+                          </a:solidFill>
+                          <a:effectLst/>
+                          <a:latin typeface="Cambria"/>
+                        </a:rPr>
+                        <a:t>Software</a:t>
+                      </a:r>
+                    </a:p>
+                  </a:txBody>
+                  <a:tcPr marL="9921" marR="9921" marT="9921" marB="0" anchor="ctr">
+                    <a:lnL>
+                      <a:noFill/>
+                    </a:lnL>
+                    <a:lnR>
+                      <a:noFill/>
+                    </a:lnR>
+                    <a:lnT>
+                      <a:noFill/>
+                    </a:lnT>
+                    <a:lnB w="25400" cap="flat" cmpd="dbl" algn="ctr">
+                      <a:solidFill>
+                        <a:srgbClr val="FFFFFF"/>
+                      </a:solidFill>
+                      <a:prstDash val="solid"/>
+                      <a:round/>
+                      <a:headEnd type="none" w="med" len="med"/>
+                      <a:tailEnd type="none" w="med" len="med"/>
+                    </a:lnB>
+                    <a:solidFill>
+                      <a:srgbClr val="000000"/>
+                    </a:solidFill>
+                  </a:tcPr>
+                </a:tc>
+                <a:tc gridSpan="2">
+                  <a:txBody>
+                    <a:bodyPr/>
+                    <a:lstStyle/>
+                    <a:p>
+                      <a:pPr algn="ctr" fontAlgn="ctr"/>
+                      <a:r>
+                        <a:rPr lang="es-ES_tradnl" sz="1200" b="1" i="0" u="none" strike="noStrike">
+                          <a:solidFill>
+                            <a:srgbClr val="FFFFFF"/>
+                          </a:solidFill>
+                          <a:effectLst/>
+                          <a:latin typeface="Cambria"/>
+                        </a:rPr>
+                        <a:t>Price</a:t>
+                      </a:r>
+                    </a:p>
+                  </a:txBody>
+                  <a:tcPr marL="9921" marR="9921" marT="9921" marB="0" anchor="ctr">
+                    <a:lnL>
+                      <a:noFill/>
+                    </a:lnL>
+                    <a:lnR>
+                      <a:noFill/>
+                    </a:lnR>
+                    <a:lnT>
+                      <a:noFill/>
+                    </a:lnT>
+                    <a:lnB w="25400" cap="flat" cmpd="dbl" algn="ctr">
+                      <a:solidFill>
+                        <a:srgbClr val="FFFFFF"/>
+                      </a:solidFill>
+                      <a:prstDash val="solid"/>
+                      <a:round/>
+                      <a:headEnd type="none" w="med" len="med"/>
+                      <a:tailEnd type="none" w="med" len="med"/>
+                    </a:lnB>
+                    <a:solidFill>
+                      <a:srgbClr val="000000"/>
+                    </a:solidFill>
+                  </a:tcPr>
+                </a:tc>
+                <a:tc hMerge="1">
+                  <a:txBody>
+                    <a:bodyPr/>
+                    <a:lstStyle/>
+                    <a:p>
+                      <a:endParaRPr lang="es-ES"/>
+                    </a:p>
+                  </a:txBody>
+                  <a:tcPr/>
+                </a:tc>
+                <a:tc>
+                  <a:txBody>
+                    <a:bodyPr/>
+                    <a:lstStyle/>
+                    <a:p>
+                      <a:pPr algn="l" fontAlgn="b"/>
+                      <a:r>
+                        <a:rPr lang="es-ES_tradnl" sz="900" b="0" i="0" u="none" strike="noStrike">
+                          <a:solidFill>
+                            <a:srgbClr val="FFFFFF"/>
+                          </a:solidFill>
+                          <a:effectLst/>
+                          <a:latin typeface="Calibri"/>
+                        </a:rPr>
+                        <a:t> </a:t>
+                      </a:r>
+                    </a:p>
+                  </a:txBody>
+                  <a:tcPr marL="9921" marR="9921" marT="9921" marB="0" anchor="b">
+                    <a:lnL>
+                      <a:noFill/>
+                    </a:lnL>
+                    <a:lnR>
+                      <a:noFill/>
+                    </a:lnR>
+                    <a:lnT>
+                      <a:noFill/>
+                    </a:lnT>
+                    <a:lnB>
+                      <a:noFill/>
+                    </a:lnB>
+                    <a:solidFill>
+                      <a:srgbClr val="000000"/>
+                    </a:solidFill>
+                  </a:tcPr>
+                </a:tc>
+              </a:tr>
+              <a:tr h="202787">
+                <a:tc>
+                  <a:txBody>
+                    <a:bodyPr/>
+                    <a:lstStyle/>
+                    <a:p>
+                      <a:pPr algn="l" fontAlgn="ctr"/>
+                      <a:r>
+                        <a:rPr lang="es-ES_tradnl" sz="1200" b="0" i="0" u="none" strike="noStrike">
+                          <a:solidFill>
+                            <a:srgbClr val="FFFFFF"/>
+                          </a:solidFill>
+                          <a:effectLst/>
+                          <a:latin typeface="Cambria"/>
+                        </a:rPr>
+                        <a:t>Ubuntu 10.04</a:t>
+                      </a:r>
+                    </a:p>
+                  </a:txBody>
+                  <a:tcPr marL="9921" marR="9921" marT="9921" marB="0" anchor="ctr">
+                    <a:lnL>
+                      <a:noFill/>
+                    </a:lnL>
+                    <a:lnR>
+                      <a:noFill/>
+                    </a:lnR>
+                    <a:lnT w="25400" cap="flat" cmpd="dbl" algn="ctr">
+                      <a:solidFill>
+                        <a:srgbClr val="FFFFFF"/>
+                      </a:solidFill>
+                      <a:prstDash val="solid"/>
+                      <a:round/>
+                      <a:headEnd type="none" w="med" len="med"/>
+                      <a:tailEnd type="none" w="med" len="med"/>
+                    </a:lnT>
+                    <a:lnB>
+                      <a:noFill/>
+                    </a:lnB>
+                    <a:solidFill>
+                      <a:srgbClr val="000000"/>
+                    </a:solidFill>
+                  </a:tcPr>
+                </a:tc>
+                <a:tc gridSpan="2">
+                  <a:txBody>
+                    <a:bodyPr/>
+                    <a:lstStyle/>
+                    <a:p>
+                      <a:pPr algn="ctr" fontAlgn="b"/>
+                      <a:r>
+                        <a:rPr lang="es-ES_tradnl" sz="1200" b="0" i="0" u="none" strike="noStrike">
+                          <a:solidFill>
+                            <a:srgbClr val="FFFFFF"/>
+                          </a:solidFill>
+                          <a:effectLst/>
+                          <a:latin typeface="Calibri"/>
+                        </a:rPr>
+                        <a:t>Free</a:t>
+                      </a:r>
+                    </a:p>
+                  </a:txBody>
+                  <a:tcPr marL="9921" marR="9921" marT="9921" marB="0" anchor="b">
+                    <a:lnL>
+                      <a:noFill/>
+                    </a:lnL>
+                    <a:lnR>
+                      <a:noFill/>
+                    </a:lnR>
+                    <a:lnT w="25400" cap="flat" cmpd="dbl" algn="ctr">
+                      <a:solidFill>
+                        <a:srgbClr val="FFFFFF"/>
+                      </a:solidFill>
+                      <a:prstDash val="solid"/>
+                      <a:round/>
+                      <a:headEnd type="none" w="med" len="med"/>
+                      <a:tailEnd type="none" w="med" len="med"/>
+                    </a:lnT>
+                    <a:lnB>
+                      <a:noFill/>
+                    </a:lnB>
+                    <a:solidFill>
+                      <a:srgbClr val="000000"/>
+                    </a:solidFill>
+                  </a:tcPr>
+                </a:tc>
+                <a:tc hMerge="1">
+                  <a:txBody>
+                    <a:bodyPr/>
+                    <a:lstStyle/>
+                    <a:p>
+                      <a:endParaRPr lang="es-ES"/>
+                    </a:p>
+                  </a:txBody>
+                  <a:tcPr/>
+                </a:tc>
+                <a:tc>
+                  <a:txBody>
+                    <a:bodyPr/>
+                    <a:lstStyle/>
+                    <a:p>
+                      <a:pPr algn="l" fontAlgn="b"/>
+                      <a:r>
+                        <a:rPr lang="es-ES_tradnl" sz="900" b="0" i="0" u="none" strike="noStrike">
+                          <a:solidFill>
+                            <a:srgbClr val="FFFFFF"/>
+                          </a:solidFill>
+                          <a:effectLst/>
+                          <a:latin typeface="Calibri"/>
+                        </a:rPr>
+                        <a:t> </a:t>
+                      </a:r>
+                    </a:p>
+                  </a:txBody>
+                  <a:tcPr marL="9921" marR="9921" marT="9921" marB="0" anchor="b">
+                    <a:lnL>
+                      <a:noFill/>
+                    </a:lnL>
+                    <a:lnR>
+                      <a:noFill/>
+                    </a:lnR>
+                    <a:lnT>
+                      <a:noFill/>
+                    </a:lnT>
+                    <a:lnB>
+                      <a:noFill/>
+                    </a:lnB>
+                    <a:solidFill>
+                      <a:srgbClr val="000000"/>
+                    </a:solidFill>
+                  </a:tcPr>
+                </a:tc>
+              </a:tr>
+              <a:tr h="195062">
+                <a:tc>
+                  <a:txBody>
+                    <a:bodyPr/>
+                    <a:lstStyle/>
+                    <a:p>
+                      <a:pPr algn="l" fontAlgn="ctr"/>
+                      <a:r>
+                        <a:rPr lang="es-ES_tradnl" sz="1200" b="0" i="0" u="none" strike="noStrike">
+                          <a:solidFill>
+                            <a:srgbClr val="FFFFFF"/>
+                          </a:solidFill>
+                          <a:effectLst/>
+                          <a:latin typeface="Cambria"/>
+                        </a:rPr>
+                        <a:t>Java</a:t>
+                      </a:r>
+                    </a:p>
+                  </a:txBody>
+                  <a:tcPr marL="9921" marR="9921" marT="9921" marB="0" anchor="ctr">
+                    <a:lnL>
+                      <a:noFill/>
+                    </a:lnL>
+                    <a:lnR>
+                      <a:noFill/>
+                    </a:lnR>
+                    <a:lnT>
+                      <a:noFill/>
+                    </a:lnT>
+                    <a:lnB>
+                      <a:noFill/>
+                    </a:lnB>
+                    <a:solidFill>
+                      <a:srgbClr val="000000"/>
+                    </a:solidFill>
+                  </a:tcPr>
+                </a:tc>
+                <a:tc gridSpan="2">
+                  <a:txBody>
+                    <a:bodyPr/>
+                    <a:lstStyle/>
+                    <a:p>
+                      <a:pPr algn="ctr" fontAlgn="b"/>
+                      <a:r>
+                        <a:rPr lang="es-ES_tradnl" sz="1200" b="0" i="0" u="none" strike="noStrike" dirty="0">
+                          <a:solidFill>
+                            <a:srgbClr val="FFFFFF"/>
+                          </a:solidFill>
+                          <a:effectLst/>
+                          <a:latin typeface="Calibri"/>
+                        </a:rPr>
+                        <a:t>Free</a:t>
+                      </a:r>
+                    </a:p>
+                  </a:txBody>
+                  <a:tcPr marL="9921" marR="9921" marT="9921" marB="0" anchor="b">
+                    <a:lnL>
+                      <a:noFill/>
+                    </a:lnL>
+                    <a:lnR>
+                      <a:noFill/>
+                    </a:lnR>
+                    <a:lnT>
+                      <a:noFill/>
+                    </a:lnT>
+                    <a:lnB>
+                      <a:noFill/>
+                    </a:lnB>
+                    <a:solidFill>
+                      <a:srgbClr val="000000"/>
+                    </a:solidFill>
+                  </a:tcPr>
+                </a:tc>
+                <a:tc hMerge="1">
+                  <a:txBody>
+                    <a:bodyPr/>
+                    <a:lstStyle/>
+                    <a:p>
+                      <a:endParaRPr lang="es-ES"/>
+                    </a:p>
+                  </a:txBody>
+                  <a:tcPr/>
+                </a:tc>
+                <a:tc>
+                  <a:txBody>
+                    <a:bodyPr/>
+                    <a:lstStyle/>
+                    <a:p>
+                      <a:pPr algn="l" fontAlgn="b"/>
+                      <a:r>
+                        <a:rPr lang="es-ES_tradnl" sz="900" b="0" i="0" u="none" strike="noStrike">
+                          <a:solidFill>
+                            <a:srgbClr val="FFFFFF"/>
+                          </a:solidFill>
+                          <a:effectLst/>
+                          <a:latin typeface="Calibri"/>
+                        </a:rPr>
+                        <a:t> </a:t>
+                      </a:r>
+                    </a:p>
+                  </a:txBody>
+                  <a:tcPr marL="9921" marR="9921" marT="9921" marB="0" anchor="b">
+                    <a:lnL>
+                      <a:noFill/>
+                    </a:lnL>
+                    <a:lnR>
+                      <a:noFill/>
+                    </a:lnR>
+                    <a:lnT>
+                      <a:noFill/>
+                    </a:lnT>
+                    <a:lnB>
+                      <a:noFill/>
+                    </a:lnB>
+                    <a:solidFill>
+                      <a:srgbClr val="000000"/>
+                    </a:solidFill>
+                  </a:tcPr>
+                </a:tc>
+              </a:tr>
+              <a:tr h="195062">
+                <a:tc>
+                  <a:txBody>
+                    <a:bodyPr/>
+                    <a:lstStyle/>
+                    <a:p>
+                      <a:pPr algn="l" fontAlgn="ctr"/>
+                      <a:r>
+                        <a:rPr lang="es-ES_tradnl" sz="1200" b="0" i="0" u="none" strike="noStrike">
+                          <a:solidFill>
+                            <a:srgbClr val="FFFFFF"/>
+                          </a:solidFill>
+                          <a:effectLst/>
+                          <a:latin typeface="Cambria"/>
+                        </a:rPr>
+                        <a:t>leJOS</a:t>
+                      </a:r>
+                    </a:p>
+                  </a:txBody>
+                  <a:tcPr marL="9921" marR="9921" marT="9921" marB="0" anchor="ctr">
+                    <a:lnL>
+                      <a:noFill/>
+                    </a:lnL>
+                    <a:lnR>
+                      <a:noFill/>
+                    </a:lnR>
+                    <a:lnT>
+                      <a:noFill/>
+                    </a:lnT>
+                    <a:lnB>
+                      <a:noFill/>
+                    </a:lnB>
+                    <a:solidFill>
+                      <a:srgbClr val="000000"/>
+                    </a:solidFill>
+                  </a:tcPr>
+                </a:tc>
+                <a:tc gridSpan="2">
+                  <a:txBody>
+                    <a:bodyPr/>
+                    <a:lstStyle/>
+                    <a:p>
+                      <a:pPr algn="ctr" fontAlgn="b"/>
+                      <a:r>
+                        <a:rPr lang="es-ES_tradnl" sz="1200" b="0" i="0" u="none" strike="noStrike">
+                          <a:solidFill>
+                            <a:srgbClr val="FFFFFF"/>
+                          </a:solidFill>
+                          <a:effectLst/>
+                          <a:latin typeface="Calibri"/>
+                        </a:rPr>
+                        <a:t>Free</a:t>
+                      </a:r>
+                    </a:p>
+                  </a:txBody>
+                  <a:tcPr marL="9921" marR="9921" marT="9921" marB="0" anchor="b">
+                    <a:lnL>
+                      <a:noFill/>
+                    </a:lnL>
+                    <a:lnR>
+                      <a:noFill/>
+                    </a:lnR>
+                    <a:lnT>
+                      <a:noFill/>
+                    </a:lnT>
+                    <a:lnB>
+                      <a:noFill/>
+                    </a:lnB>
+                    <a:solidFill>
+                      <a:srgbClr val="000000"/>
+                    </a:solidFill>
+                  </a:tcPr>
+                </a:tc>
+                <a:tc hMerge="1">
+                  <a:txBody>
+                    <a:bodyPr/>
+                    <a:lstStyle/>
+                    <a:p>
+                      <a:endParaRPr lang="es-ES"/>
+                    </a:p>
+                  </a:txBody>
+                  <a:tcPr/>
+                </a:tc>
+                <a:tc>
+                  <a:txBody>
+                    <a:bodyPr/>
+                    <a:lstStyle/>
+                    <a:p>
+                      <a:pPr algn="l" fontAlgn="b"/>
+                      <a:r>
+                        <a:rPr lang="es-ES_tradnl" sz="900" b="0" i="0" u="none" strike="noStrike">
+                          <a:solidFill>
+                            <a:srgbClr val="FFFFFF"/>
+                          </a:solidFill>
+                          <a:effectLst/>
+                          <a:latin typeface="Calibri"/>
+                        </a:rPr>
+                        <a:t> </a:t>
+                      </a:r>
+                    </a:p>
+                  </a:txBody>
+                  <a:tcPr marL="9921" marR="9921" marT="9921" marB="0" anchor="b">
+                    <a:lnL>
+                      <a:noFill/>
+                    </a:lnL>
+                    <a:lnR>
+                      <a:noFill/>
+                    </a:lnR>
+                    <a:lnT>
+                      <a:noFill/>
+                    </a:lnT>
+                    <a:lnB>
+                      <a:noFill/>
+                    </a:lnB>
+                    <a:solidFill>
+                      <a:srgbClr val="000000"/>
+                    </a:solidFill>
+                  </a:tcPr>
+                </a:tc>
+              </a:tr>
+              <a:tr h="195062">
+                <a:tc>
+                  <a:txBody>
+                    <a:bodyPr/>
+                    <a:lstStyle/>
+                    <a:p>
+                      <a:pPr algn="l" fontAlgn="ctr"/>
+                      <a:r>
+                        <a:rPr lang="es-ES_tradnl" sz="1200" b="0" i="0" u="none" strike="noStrike">
+                          <a:solidFill>
+                            <a:srgbClr val="FFFFFF"/>
+                          </a:solidFill>
+                          <a:effectLst/>
+                          <a:latin typeface="Cambria"/>
+                        </a:rPr>
+                        <a:t>Eclipse</a:t>
+                      </a:r>
+                    </a:p>
+                  </a:txBody>
+                  <a:tcPr marL="9921" marR="9921" marT="9921" marB="0" anchor="ctr">
+                    <a:lnL>
+                      <a:noFill/>
+                    </a:lnL>
+                    <a:lnR>
+                      <a:noFill/>
+                    </a:lnR>
+                    <a:lnT>
+                      <a:noFill/>
+                    </a:lnT>
+                    <a:lnB>
+                      <a:noFill/>
+                    </a:lnB>
+                    <a:solidFill>
+                      <a:srgbClr val="000000"/>
+                    </a:solidFill>
+                  </a:tcPr>
+                </a:tc>
+                <a:tc gridSpan="2">
+                  <a:txBody>
+                    <a:bodyPr/>
+                    <a:lstStyle/>
+                    <a:p>
+                      <a:pPr algn="ctr" fontAlgn="b"/>
+                      <a:r>
+                        <a:rPr lang="es-ES_tradnl" sz="1200" b="0" i="0" u="none" strike="noStrike">
+                          <a:solidFill>
+                            <a:srgbClr val="FFFFFF"/>
+                          </a:solidFill>
+                          <a:effectLst/>
+                          <a:latin typeface="Calibri"/>
+                        </a:rPr>
+                        <a:t>Free</a:t>
+                      </a:r>
+                    </a:p>
+                  </a:txBody>
+                  <a:tcPr marL="9921" marR="9921" marT="9921" marB="0" anchor="b">
+                    <a:lnL>
+                      <a:noFill/>
+                    </a:lnL>
+                    <a:lnR>
+                      <a:noFill/>
+                    </a:lnR>
+                    <a:lnT>
+                      <a:noFill/>
+                    </a:lnT>
+                    <a:lnB>
+                      <a:noFill/>
+                    </a:lnB>
+                    <a:solidFill>
+                      <a:srgbClr val="000000"/>
+                    </a:solidFill>
+                  </a:tcPr>
+                </a:tc>
+                <a:tc hMerge="1">
+                  <a:txBody>
+                    <a:bodyPr/>
+                    <a:lstStyle/>
+                    <a:p>
+                      <a:endParaRPr lang="es-ES"/>
+                    </a:p>
+                  </a:txBody>
+                  <a:tcPr/>
+                </a:tc>
+                <a:tc>
+                  <a:txBody>
+                    <a:bodyPr/>
+                    <a:lstStyle/>
+                    <a:p>
+                      <a:pPr algn="l" fontAlgn="b"/>
+                      <a:r>
+                        <a:rPr lang="es-ES_tradnl" sz="900" b="0" i="0" u="none" strike="noStrike">
+                          <a:solidFill>
+                            <a:srgbClr val="FFFFFF"/>
+                          </a:solidFill>
+                          <a:effectLst/>
+                          <a:latin typeface="Calibri"/>
+                        </a:rPr>
+                        <a:t> </a:t>
+                      </a:r>
+                    </a:p>
+                  </a:txBody>
+                  <a:tcPr marL="9921" marR="9921" marT="9921" marB="0" anchor="b">
+                    <a:lnL>
+                      <a:noFill/>
+                    </a:lnL>
+                    <a:lnR>
+                      <a:noFill/>
+                    </a:lnR>
+                    <a:lnT>
+                      <a:noFill/>
+                    </a:lnT>
+                    <a:lnB>
+                      <a:noFill/>
+                    </a:lnB>
+                    <a:solidFill>
+                      <a:srgbClr val="000000"/>
+                    </a:solidFill>
+                  </a:tcPr>
+                </a:tc>
+              </a:tr>
+              <a:tr h="195062">
+                <a:tc>
+                  <a:txBody>
+                    <a:bodyPr/>
+                    <a:lstStyle/>
+                    <a:p>
+                      <a:pPr algn="l" fontAlgn="ctr"/>
+                      <a:r>
+                        <a:rPr lang="es-ES_tradnl" sz="1200" b="0" i="0" u="none" strike="noStrike">
+                          <a:solidFill>
+                            <a:srgbClr val="FFFFFF"/>
+                          </a:solidFill>
+                          <a:effectLst/>
+                          <a:latin typeface="Cambria"/>
+                        </a:rPr>
+                        <a:t>Free TTS</a:t>
+                      </a:r>
+                    </a:p>
+                  </a:txBody>
+                  <a:tcPr marL="9921" marR="9921" marT="9921" marB="0" anchor="ctr">
+                    <a:lnL>
+                      <a:noFill/>
+                    </a:lnL>
+                    <a:lnR>
+                      <a:noFill/>
+                    </a:lnR>
+                    <a:lnT>
+                      <a:noFill/>
+                    </a:lnT>
+                    <a:lnB>
+                      <a:noFill/>
+                    </a:lnB>
+                    <a:solidFill>
+                      <a:srgbClr val="000000"/>
+                    </a:solidFill>
+                  </a:tcPr>
+                </a:tc>
+                <a:tc gridSpan="2">
+                  <a:txBody>
+                    <a:bodyPr/>
+                    <a:lstStyle/>
+                    <a:p>
+                      <a:pPr algn="ctr" fontAlgn="b"/>
+                      <a:r>
+                        <a:rPr lang="es-ES_tradnl" sz="1200" b="0" i="0" u="none" strike="noStrike">
+                          <a:solidFill>
+                            <a:srgbClr val="FFFFFF"/>
+                          </a:solidFill>
+                          <a:effectLst/>
+                          <a:latin typeface="Calibri"/>
+                        </a:rPr>
+                        <a:t>Free</a:t>
+                      </a:r>
+                    </a:p>
+                  </a:txBody>
+                  <a:tcPr marL="9921" marR="9921" marT="9921" marB="0" anchor="b">
+                    <a:lnL>
+                      <a:noFill/>
+                    </a:lnL>
+                    <a:lnR>
+                      <a:noFill/>
+                    </a:lnR>
+                    <a:lnT>
+                      <a:noFill/>
+                    </a:lnT>
+                    <a:lnB>
+                      <a:noFill/>
+                    </a:lnB>
+                    <a:solidFill>
+                      <a:srgbClr val="000000"/>
+                    </a:solidFill>
+                  </a:tcPr>
+                </a:tc>
+                <a:tc hMerge="1">
+                  <a:txBody>
+                    <a:bodyPr/>
+                    <a:lstStyle/>
+                    <a:p>
+                      <a:endParaRPr lang="es-ES"/>
+                    </a:p>
+                  </a:txBody>
+                  <a:tcPr/>
+                </a:tc>
+                <a:tc>
+                  <a:txBody>
+                    <a:bodyPr/>
+                    <a:lstStyle/>
+                    <a:p>
+                      <a:pPr algn="l" fontAlgn="b"/>
+                      <a:r>
+                        <a:rPr lang="es-ES_tradnl" sz="900" b="0" i="0" u="none" strike="noStrike">
+                          <a:solidFill>
+                            <a:srgbClr val="FFFFFF"/>
+                          </a:solidFill>
+                          <a:effectLst/>
+                          <a:latin typeface="Calibri"/>
+                        </a:rPr>
+                        <a:t> </a:t>
+                      </a:r>
+                    </a:p>
+                  </a:txBody>
+                  <a:tcPr marL="9921" marR="9921" marT="9921" marB="0" anchor="b">
+                    <a:lnL>
+                      <a:noFill/>
+                    </a:lnL>
+                    <a:lnR>
+                      <a:noFill/>
+                    </a:lnR>
+                    <a:lnT>
+                      <a:noFill/>
+                    </a:lnT>
+                    <a:lnB>
+                      <a:noFill/>
+                    </a:lnB>
+                    <a:solidFill>
+                      <a:srgbClr val="000000"/>
+                    </a:solidFill>
+                  </a:tcPr>
+                </a:tc>
+              </a:tr>
+              <a:tr h="195062">
+                <a:tc>
+                  <a:txBody>
+                    <a:bodyPr/>
+                    <a:lstStyle/>
+                    <a:p>
+                      <a:pPr algn="l" fontAlgn="ctr"/>
+                      <a:r>
+                        <a:rPr lang="es-ES_tradnl" sz="1200" b="0" i="0" u="none" strike="noStrike">
+                          <a:solidFill>
+                            <a:srgbClr val="FFFFFF"/>
+                          </a:solidFill>
+                          <a:effectLst/>
+                          <a:latin typeface="Cambria"/>
+                        </a:rPr>
+                        <a:t>SVN</a:t>
+                      </a:r>
+                    </a:p>
+                  </a:txBody>
+                  <a:tcPr marL="9921" marR="9921" marT="9921" marB="0" anchor="ctr">
+                    <a:lnL>
+                      <a:noFill/>
+                    </a:lnL>
+                    <a:lnR>
+                      <a:noFill/>
+                    </a:lnR>
+                    <a:lnT>
+                      <a:noFill/>
+                    </a:lnT>
+                    <a:lnB>
+                      <a:noFill/>
+                    </a:lnB>
+                    <a:solidFill>
+                      <a:srgbClr val="000000"/>
+                    </a:solidFill>
+                  </a:tcPr>
+                </a:tc>
+                <a:tc gridSpan="2">
+                  <a:txBody>
+                    <a:bodyPr/>
+                    <a:lstStyle/>
+                    <a:p>
+                      <a:pPr algn="ctr" fontAlgn="b"/>
+                      <a:r>
+                        <a:rPr lang="es-ES_tradnl" sz="1200" b="0" i="0" u="none" strike="noStrike">
+                          <a:solidFill>
+                            <a:srgbClr val="FFFFFF"/>
+                          </a:solidFill>
+                          <a:effectLst/>
+                          <a:latin typeface="Calibri"/>
+                        </a:rPr>
+                        <a:t>Free</a:t>
+                      </a:r>
+                    </a:p>
+                  </a:txBody>
+                  <a:tcPr marL="9921" marR="9921" marT="9921" marB="0" anchor="b">
+                    <a:lnL>
+                      <a:noFill/>
+                    </a:lnL>
+                    <a:lnR>
+                      <a:noFill/>
+                    </a:lnR>
+                    <a:lnT>
+                      <a:noFill/>
+                    </a:lnT>
+                    <a:lnB>
+                      <a:noFill/>
+                    </a:lnB>
+                    <a:solidFill>
+                      <a:srgbClr val="000000"/>
+                    </a:solidFill>
+                  </a:tcPr>
+                </a:tc>
+                <a:tc hMerge="1">
+                  <a:txBody>
+                    <a:bodyPr/>
+                    <a:lstStyle/>
+                    <a:p>
+                      <a:endParaRPr lang="es-ES"/>
+                    </a:p>
+                  </a:txBody>
+                  <a:tcPr/>
+                </a:tc>
+                <a:tc>
+                  <a:txBody>
+                    <a:bodyPr/>
+                    <a:lstStyle/>
+                    <a:p>
+                      <a:pPr algn="l" fontAlgn="b"/>
+                      <a:r>
+                        <a:rPr lang="es-ES_tradnl" sz="900" b="0" i="0" u="none" strike="noStrike">
+                          <a:solidFill>
+                            <a:srgbClr val="FFFFFF"/>
+                          </a:solidFill>
+                          <a:effectLst/>
+                          <a:latin typeface="Calibri"/>
+                        </a:rPr>
+                        <a:t> </a:t>
+                      </a:r>
+                    </a:p>
+                  </a:txBody>
+                  <a:tcPr marL="9921" marR="9921" marT="9921" marB="0" anchor="b">
+                    <a:lnL>
+                      <a:noFill/>
+                    </a:lnL>
+                    <a:lnR>
+                      <a:noFill/>
+                    </a:lnR>
+                    <a:lnT>
+                      <a:noFill/>
+                    </a:lnT>
+                    <a:lnB>
+                      <a:noFill/>
+                    </a:lnB>
+                    <a:solidFill>
+                      <a:srgbClr val="000000"/>
+                    </a:solidFill>
+                  </a:tcPr>
+                </a:tc>
+              </a:tr>
+              <a:tr h="195062">
+                <a:tc>
+                  <a:txBody>
+                    <a:bodyPr/>
+                    <a:lstStyle/>
+                    <a:p>
+                      <a:pPr algn="l" fontAlgn="ctr"/>
+                      <a:r>
+                        <a:rPr lang="es-ES_tradnl" sz="1200" b="0" i="0" u="none" strike="noStrike">
+                          <a:solidFill>
+                            <a:srgbClr val="FFFFFF"/>
+                          </a:solidFill>
+                          <a:effectLst/>
+                          <a:latin typeface="Cambria"/>
+                        </a:rPr>
+                        <a:t>Sphinx 4</a:t>
+                      </a:r>
+                    </a:p>
+                  </a:txBody>
+                  <a:tcPr marL="9921" marR="9921" marT="9921" marB="0" anchor="ctr">
+                    <a:lnL>
+                      <a:noFill/>
+                    </a:lnL>
+                    <a:lnR>
+                      <a:noFill/>
+                    </a:lnR>
+                    <a:lnT>
+                      <a:noFill/>
+                    </a:lnT>
+                    <a:lnB>
+                      <a:noFill/>
+                    </a:lnB>
+                    <a:solidFill>
+                      <a:srgbClr val="000000"/>
+                    </a:solidFill>
+                  </a:tcPr>
+                </a:tc>
+                <a:tc gridSpan="2">
+                  <a:txBody>
+                    <a:bodyPr/>
+                    <a:lstStyle/>
+                    <a:p>
+                      <a:pPr algn="ctr" fontAlgn="b"/>
+                      <a:r>
+                        <a:rPr lang="es-ES_tradnl" sz="1200" b="0" i="0" u="none" strike="noStrike" dirty="0">
+                          <a:solidFill>
+                            <a:srgbClr val="FFFFFF"/>
+                          </a:solidFill>
+                          <a:effectLst/>
+                          <a:latin typeface="Calibri"/>
+                        </a:rPr>
+                        <a:t>Free</a:t>
+                      </a:r>
+                    </a:p>
+                  </a:txBody>
+                  <a:tcPr marL="9921" marR="9921" marT="9921" marB="0" anchor="b">
+                    <a:lnL>
+                      <a:noFill/>
+                    </a:lnL>
+                    <a:lnR>
+                      <a:noFill/>
+                    </a:lnR>
+                    <a:lnT>
+                      <a:noFill/>
+                    </a:lnT>
+                    <a:lnB>
+                      <a:noFill/>
+                    </a:lnB>
+                    <a:solidFill>
+                      <a:srgbClr val="000000"/>
+                    </a:solidFill>
+                  </a:tcPr>
+                </a:tc>
+                <a:tc hMerge="1">
+                  <a:txBody>
+                    <a:bodyPr/>
+                    <a:lstStyle/>
+                    <a:p>
+                      <a:endParaRPr lang="es-ES"/>
+                    </a:p>
+                  </a:txBody>
+                  <a:tcPr/>
+                </a:tc>
+                <a:tc>
+                  <a:txBody>
+                    <a:bodyPr/>
+                    <a:lstStyle/>
+                    <a:p>
+                      <a:pPr algn="l" fontAlgn="b"/>
+                      <a:r>
+                        <a:rPr lang="es-ES_tradnl" sz="900" b="0" i="0" u="none" strike="noStrike" dirty="0">
+                          <a:solidFill>
+                            <a:srgbClr val="FFFFFF"/>
+                          </a:solidFill>
+                          <a:effectLst/>
+                          <a:latin typeface="Calibri"/>
+                        </a:rPr>
+                        <a:t> </a:t>
+                      </a:r>
+                    </a:p>
+                  </a:txBody>
+                  <a:tcPr marL="9921" marR="9921" marT="9921" marB="0" anchor="b">
+                    <a:lnL>
+                      <a:noFill/>
+                    </a:lnL>
+                    <a:lnR>
+                      <a:noFill/>
+                    </a:lnR>
+                    <a:lnT>
+                      <a:noFill/>
+                    </a:lnT>
+                    <a:lnB>
+                      <a:noFill/>
+                    </a:lnB>
+                    <a:solidFill>
+                      <a:srgbClr val="000000"/>
+                    </a:solidFill>
+                  </a:tcPr>
+                </a:tc>
+              </a:tr>
+            </a:tbl>
+          </a:graphicData>
+        </a:graphic>
+      </p:graphicFrame>
     </p:spTree>
     <p:extLst>
       <p:ext uri="{BB962C8B-B14F-4D97-AF65-F5344CB8AC3E}">
@@ -4443,34 +7339,34 @@
         <a:sysClr val="window" lastClr="FFFFFF"/>
       </a:lt1>
       <a:dk2>
-        <a:srgbClr xmlns:mc="http://schemas.openxmlformats.org/markup-compatibility/2006" xmlns:a14="http://schemas.microsoft.com/office/drawing/2010/main" val="1F497D" mc:Ignorable=""/>
+        <a:srgbClr val="1F497D"/>
       </a:dk2>
       <a:lt2>
-        <a:srgbClr xmlns:mc="http://schemas.openxmlformats.org/markup-compatibility/2006" xmlns:a14="http://schemas.microsoft.com/office/drawing/2010/main" val="EEECE1" mc:Ignorable=""/>
+        <a:srgbClr val="EEECE1"/>
       </a:lt2>
       <a:accent1>
-        <a:srgbClr xmlns:mc="http://schemas.openxmlformats.org/markup-compatibility/2006" xmlns:a14="http://schemas.microsoft.com/office/drawing/2010/main" val="4F81BD" mc:Ignorable=""/>
+        <a:srgbClr val="4F81BD"/>
       </a:accent1>
       <a:accent2>
-        <a:srgbClr xmlns:mc="http://schemas.openxmlformats.org/markup-compatibility/2006" xmlns:a14="http://schemas.microsoft.com/office/drawing/2010/main" val="C0504D" mc:Ignorable=""/>
+        <a:srgbClr val="C0504D"/>
       </a:accent2>
       <a:accent3>
-        <a:srgbClr xmlns:mc="http://schemas.openxmlformats.org/markup-compatibility/2006" xmlns:a14="http://schemas.microsoft.com/office/drawing/2010/main" val="9BBB59" mc:Ignorable=""/>
+        <a:srgbClr val="9BBB59"/>
       </a:accent3>
       <a:accent4>
-        <a:srgbClr xmlns:mc="http://schemas.openxmlformats.org/markup-compatibility/2006" xmlns:a14="http://schemas.microsoft.com/office/drawing/2010/main" val="8064A2" mc:Ignorable=""/>
+        <a:srgbClr val="8064A2"/>
       </a:accent4>
       <a:accent5>
-        <a:srgbClr xmlns:mc="http://schemas.openxmlformats.org/markup-compatibility/2006" xmlns:a14="http://schemas.microsoft.com/office/drawing/2010/main" val="4BACC6" mc:Ignorable=""/>
+        <a:srgbClr val="4BACC6"/>
       </a:accent5>
       <a:accent6>
-        <a:srgbClr xmlns:mc="http://schemas.openxmlformats.org/markup-compatibility/2006" xmlns:a14="http://schemas.microsoft.com/office/drawing/2010/main" val="F79646" mc:Ignorable=""/>
+        <a:srgbClr val="F79646"/>
       </a:accent6>
       <a:hlink>
-        <a:srgbClr xmlns:mc="http://schemas.openxmlformats.org/markup-compatibility/2006" xmlns:a14="http://schemas.microsoft.com/office/drawing/2010/main" val="0000FF" mc:Ignorable=""/>
+        <a:srgbClr val="0000FF"/>
       </a:hlink>
       <a:folHlink>
-        <a:srgbClr xmlns:mc="http://schemas.openxmlformats.org/markup-compatibility/2006" xmlns:a14="http://schemas.microsoft.com/office/drawing/2010/main" val="800080" mc:Ignorable=""/>
+        <a:srgbClr val="800080"/>
       </a:folHlink>
     </a:clrScheme>
     <a:fontScheme name="Office">
@@ -4624,7 +7520,7 @@
         <a:effectStyle>
           <a:effectLst>
             <a:outerShdw blurRad="40000" dist="20000" dir="5400000" rotWithShape="0">
-              <a:srgbClr xmlns:mc="http://schemas.openxmlformats.org/markup-compatibility/2006" xmlns:a14="http://schemas.microsoft.com/office/drawing/2010/main" val="000000" mc:Ignorable="">
+              <a:srgbClr val="000000">
                 <a:alpha val="38000"/>
               </a:srgbClr>
             </a:outerShdw>
@@ -4633,7 +7529,7 @@
         <a:effectStyle>
           <a:effectLst>
             <a:outerShdw blurRad="40000" dist="23000" dir="5400000" rotWithShape="0">
-              <a:srgbClr xmlns:mc="http://schemas.openxmlformats.org/markup-compatibility/2006" xmlns:a14="http://schemas.microsoft.com/office/drawing/2010/main" val="000000" mc:Ignorable="">
+              <a:srgbClr val="000000">
                 <a:alpha val="35000"/>
               </a:srgbClr>
             </a:outerShdw>
@@ -4642,7 +7538,7 @@
         <a:effectStyle>
           <a:effectLst>
             <a:outerShdw blurRad="40000" dist="23000" dir="5400000" rotWithShape="0">
-              <a:srgbClr xmlns:mc="http://schemas.openxmlformats.org/markup-compatibility/2006" xmlns:a14="http://schemas.microsoft.com/office/drawing/2010/main" val="000000" mc:Ignorable="">
+              <a:srgbClr val="000000">
                 <a:alpha val="35000"/>
               </a:srgbClr>
             </a:outerShdw>
